--- a/material/C03_CSharp_기본문법.pptx
+++ b/material/C03_CSharp_기본문법.pptx
@@ -86,31 +86,31 @@
   <p:notesSz cx="6858000" cy="9144000"/>
   <p:embeddedFontLst>
     <p:embeddedFont>
-      <p:font typeface="AppleSDGothicNeoB00" panose="02000503000000000000" pitchFamily="2" charset="-127"/>
+      <p:font typeface="AppleSDGothicNeoB00" panose="020B0600000101010101" charset="-127"/>
       <p:regular r:id="rId76"/>
     </p:embeddedFont>
     <p:embeddedFont>
-      <p:font typeface="AppleSDGothicNeoH00" panose="02000503000000000000" pitchFamily="2" charset="-127"/>
+      <p:font typeface="AppleSDGothicNeoH00" panose="020B0600000101010101" charset="-127"/>
       <p:regular r:id="rId77"/>
     </p:embeddedFont>
     <p:embeddedFont>
-      <p:font typeface="Cascadia Mono" panose="020B0609020000020004" pitchFamily="49" charset="0"/>
+      <p:font typeface="나눔바른고딕" panose="020B0600000101010101" charset="-127"/>
       <p:regular r:id="rId78"/>
       <p:bold r:id="rId79"/>
-      <p:italic r:id="rId80"/>
-      <p:boldItalic r:id="rId81"/>
+    </p:embeddedFont>
+    <p:embeddedFont>
+      <p:font typeface="Cascadia Mono" panose="020B0609020000020004" pitchFamily="49" charset="0"/>
+      <p:regular r:id="rId80"/>
+      <p:bold r:id="rId81"/>
+      <p:italic r:id="rId82"/>
+      <p:boldItalic r:id="rId83"/>
     </p:embeddedFont>
     <p:embeddedFont>
       <p:font typeface="Consolas" panose="020B0609020204030204" pitchFamily="49" charset="0"/>
-      <p:regular r:id="rId82"/>
-      <p:bold r:id="rId83"/>
-      <p:italic r:id="rId84"/>
-      <p:boldItalic r:id="rId85"/>
-    </p:embeddedFont>
-    <p:embeddedFont>
-      <p:font typeface="나눔바른고딕" panose="020B0603020101020101" pitchFamily="50" charset="-127"/>
-      <p:regular r:id="rId86"/>
-      <p:bold r:id="rId87"/>
+      <p:regular r:id="rId84"/>
+      <p:bold r:id="rId85"/>
+      <p:italic r:id="rId86"/>
+      <p:boldItalic r:id="rId87"/>
     </p:embeddedFont>
     <p:embeddedFont>
       <p:font typeface="맑은 고딕" panose="020B0503020000020004" pitchFamily="50" charset="-127"/>
@@ -306,7 +306,7 @@
           <a:p>
             <a:fld id="{2EF3F159-7250-4DD4-91C2-13B35D56E1AF}" type="datetimeFigureOut">
               <a:rPr lang="ko-KR" altLang="en-US" smtClean="0"/>
-              <a:t>12-22(Sun)</a:t>
+              <a:t>2025-04-10</a:t>
             </a:fld>
             <a:endParaRPr lang="ko-KR" altLang="en-US"/>
           </a:p>
@@ -703,6 +703,40 @@
           <a:lstStyle/>
           <a:p>
             <a:r>
+              <a:rPr lang="en-US" altLang="ko-KR" b="1" dirty="0"/>
+              <a:t>Scope</a:t>
+            </a:r>
+            <a:r>
+              <a:rPr lang="ko-KR" altLang="en-US" dirty="0"/>
+              <a:t>란</a:t>
+            </a:r>
+            <a:r>
+              <a:rPr lang="en-US" altLang="ko-KR" dirty="0"/>
+              <a:t>, </a:t>
+            </a:r>
+            <a:r>
+              <a:rPr lang="ko-KR" altLang="en-US" dirty="0"/>
+              <a:t>코드가 </a:t>
+            </a:r>
+            <a:r>
+              <a:rPr lang="ko-KR" altLang="en-US" b="1" dirty="0"/>
+              <a:t>어느 범위 안에서 유효하게 동작하는지</a:t>
+            </a:r>
+            <a:r>
+              <a:rPr lang="ko-KR" altLang="en-US" dirty="0"/>
+              <a:t>를 의미</a:t>
+            </a:r>
+            <a:r>
+              <a:rPr lang="en-US" altLang="ko-KR" dirty="0"/>
+              <a:t>.</a:t>
+            </a:r>
+            <a:br>
+              <a:rPr lang="en-US" altLang="ko-KR" dirty="0"/>
+            </a:br>
+            <a:br>
+              <a:rPr lang="en-US" altLang="ko-KR" dirty="0"/>
+            </a:br>
+            <a:r>
               <a:rPr lang="ko-KR" altLang="en-US" dirty="0"/>
               <a:t>지금은 클래스와 함수를 배우지 않았기 때문에 앞에 파란색으로 </a:t>
             </a:r>
@@ -1567,7 +1601,52 @@
           <a:p>
             <a:r>
               <a:rPr lang="ko-KR" altLang="en-US" dirty="0"/>
-              <a:t>중괄호 안에서 선언된 변수를</a:t>
+              <a:t>비트</a:t>
+            </a:r>
+            <a:r>
+              <a:rPr lang="en-US" altLang="ko-KR" dirty="0"/>
+              <a:t>(bit)</a:t>
+            </a:r>
+            <a:r>
+              <a:rPr lang="ko-KR" altLang="en-US" dirty="0"/>
+              <a:t>란</a:t>
+            </a:r>
+            <a:r>
+              <a:rPr lang="en-US" altLang="ko-KR" dirty="0"/>
+              <a:t>?</a:t>
+            </a:r>
+          </a:p>
+          <a:p>
+            <a:pPr marL="171450" indent="-171450">
+              <a:buFontTx/>
+              <a:buChar char="-"/>
+            </a:pPr>
+            <a:r>
+              <a:rPr lang="ko-KR" altLang="en-US" dirty="0"/>
+              <a:t>컴퓨터가 </a:t>
+            </a:r>
+            <a:r>
+              <a:rPr lang="ko-KR" altLang="en-US" b="1" dirty="0"/>
+              <a:t>정보를 표현하는 가장 작은 단위</a:t>
+            </a:r>
+            <a:endParaRPr lang="en-US" altLang="ko-KR" b="1" dirty="0"/>
+          </a:p>
+          <a:p>
+            <a:pPr marL="171450" indent="-171450">
+              <a:buFontTx/>
+              <a:buChar char="-"/>
+            </a:pPr>
+            <a:r>
+              <a:rPr lang="en-US" altLang="ko-KR" b="1" dirty="0"/>
+              <a:t>0 </a:t>
+            </a:r>
+            <a:r>
+              <a:rPr lang="ko-KR" altLang="en-US" b="1" dirty="0"/>
+              <a:t>또는 </a:t>
+            </a:r>
+            <a:r>
+              <a:rPr lang="en-US" altLang="ko-KR" b="1" dirty="0"/>
+              <a:t>1</a:t>
             </a:r>
             <a:r>
               <a:rPr lang="en-US" altLang="ko-KR" dirty="0"/>
@@ -1575,43 +1654,80 @@
             </a:r>
             <a:r>
               <a:rPr lang="ko-KR" altLang="en-US" dirty="0"/>
-              <a:t>중괄호 밖에서는 사용할 수 없지만</a:t>
-            </a:r>
-            <a:r>
-              <a:rPr lang="en-US" altLang="ko-KR" dirty="0"/>
-              <a:t>, </a:t>
-            </a:r>
-          </a:p>
-          <a:p>
-            <a:r>
-              <a:rPr lang="ko-KR" altLang="en-US" dirty="0"/>
-              <a:t>밖</a:t>
-            </a:r>
-            <a:r>
-              <a:rPr lang="en-US" altLang="ko-KR" dirty="0"/>
-              <a:t>(</a:t>
-            </a:r>
-            <a:r>
-              <a:rPr lang="ko-KR" altLang="en-US" dirty="0"/>
-              <a:t>윗줄</a:t>
-            </a:r>
-            <a:r>
-              <a:rPr lang="en-US" altLang="ko-KR" dirty="0"/>
-              <a:t>)</a:t>
-            </a:r>
-            <a:r>
-              <a:rPr lang="ko-KR" altLang="en-US" dirty="0"/>
-              <a:t>에서 선언된 변수는 중괄호 안에서도 사용이 가능합니다</a:t>
+              <a:t>단 두 가지 값만 가질 수 있다</a:t>
             </a:r>
             <a:r>
               <a:rPr lang="en-US" altLang="ko-KR" dirty="0"/>
               <a:t>.</a:t>
             </a:r>
-            <a:r>
-              <a:rPr lang="ko-KR" altLang="en-US" dirty="0"/>
-              <a:t>  </a:t>
-            </a:r>
+          </a:p>
+          <a:p>
+            <a:pPr marL="171450" indent="-171450">
+              <a:buFontTx/>
+              <a:buChar char="-"/>
+            </a:pPr>
             <a:endParaRPr lang="en-US" altLang="ko-KR" dirty="0"/>
+          </a:p>
+          <a:p>
+            <a:pPr marL="0" indent="0">
+              <a:buFontTx/>
+              <a:buNone/>
+            </a:pPr>
+            <a:r>
+              <a:rPr lang="ko-KR" altLang="en-US" dirty="0"/>
+              <a:t>바이트</a:t>
+            </a:r>
+            <a:r>
+              <a:rPr lang="en-US" altLang="ko-KR" dirty="0"/>
+              <a:t>(byte)</a:t>
+            </a:r>
+            <a:r>
+              <a:rPr lang="ko-KR" altLang="en-US" dirty="0"/>
+              <a:t>란</a:t>
+            </a:r>
+            <a:r>
+              <a:rPr lang="en-US" altLang="ko-KR" dirty="0"/>
+              <a:t>?</a:t>
+            </a:r>
+          </a:p>
+          <a:p>
+            <a:pPr marL="0" indent="0">
+              <a:buFontTx/>
+              <a:buNone/>
+            </a:pPr>
+            <a:r>
+              <a:rPr lang="en-US" altLang="ko-KR" dirty="0"/>
+              <a:t>1 byte = 8 bit</a:t>
+            </a:r>
+          </a:p>
+          <a:p>
+            <a:pPr marL="0" indent="0">
+              <a:buFontTx/>
+              <a:buNone/>
+            </a:pPr>
+            <a:endParaRPr lang="en-US" altLang="ko-KR" dirty="0"/>
+          </a:p>
+          <a:p>
+            <a:pPr marL="0" indent="0">
+              <a:buFontTx/>
+              <a:buNone/>
+            </a:pPr>
+            <a:r>
+              <a:rPr lang="en-US" altLang="ko-KR" dirty="0"/>
+              <a:t>n</a:t>
+            </a:r>
+            <a:r>
+              <a:rPr lang="ko-KR" altLang="en-US" dirty="0"/>
+              <a:t>비트로는 </a:t>
+            </a:r>
+            <a:r>
+              <a:rPr lang="en-US" altLang="ko-KR" dirty="0"/>
+              <a:t>2ⁿ</a:t>
+            </a:r>
+            <a:r>
+              <a:rPr lang="ko-KR" altLang="en-US" dirty="0"/>
+              <a:t>개의 값을 표현</a:t>
+            </a:r>
           </a:p>
         </p:txBody>
       </p:sp>
@@ -1632,7 +1748,7 @@
           <a:p>
             <a:fld id="{C09E5BFC-1559-42F1-8940-AB342D56BF02}" type="slidenum">
               <a:rPr lang="ko-KR" altLang="en-US" smtClean="0"/>
-              <a:t>18</a:t>
+              <a:t>14</a:t>
             </a:fld>
             <a:endParaRPr lang="ko-KR" altLang="en-US"/>
           </a:p>
@@ -1641,7 +1757,7 @@
     </p:spTree>
     <p:extLst>
       <p:ext uri="{BB962C8B-B14F-4D97-AF65-F5344CB8AC3E}">
-        <p14:creationId xmlns:p14="http://schemas.microsoft.com/office/powerpoint/2010/main" val="1995523419"/>
+        <p14:creationId xmlns:p14="http://schemas.microsoft.com/office/powerpoint/2010/main" val="4116624178"/>
       </p:ext>
     </p:extLst>
   </p:cSld>
@@ -1696,84 +1812,52 @@
           <a:lstStyle/>
           <a:p>
             <a:r>
-              <a:rPr lang="en-US" altLang="ko-KR" dirty="0"/>
-              <a:t>string -&gt; int </a:t>
-            </a:r>
-            <a:r>
-              <a:rPr lang="ko-KR" altLang="en-US" dirty="0"/>
-              <a:t>로 변환하려고 할 때</a:t>
-            </a:r>
-            <a:r>
-              <a:rPr lang="en-US" altLang="ko-KR" dirty="0"/>
-              <a:t>,</a:t>
-            </a:r>
-          </a:p>
-          <a:p>
+              <a:rPr lang="ko-KR" altLang="en-US" dirty="0"/>
+              <a:t>중괄호 안에서 선언된 변수를</a:t>
+            </a:r>
+            <a:r>
+              <a:rPr lang="en-US" altLang="ko-KR" dirty="0"/>
+              <a:t>, </a:t>
+            </a:r>
+            <a:r>
+              <a:rPr lang="ko-KR" altLang="en-US" dirty="0"/>
+              <a:t>중괄호 밖에서는 사용할 수 없지만</a:t>
+            </a:r>
+            <a:r>
+              <a:rPr lang="en-US" altLang="ko-KR" dirty="0"/>
+              <a:t>, </a:t>
+            </a:r>
+          </a:p>
+          <a:p>
+            <a:r>
+              <a:rPr lang="ko-KR" altLang="en-US" dirty="0"/>
+              <a:t>밖</a:t>
+            </a:r>
+            <a:r>
+              <a:rPr lang="en-US" altLang="ko-KR" dirty="0"/>
+              <a:t>(</a:t>
+            </a:r>
+            <a:r>
+              <a:rPr lang="ko-KR" altLang="en-US" dirty="0"/>
+              <a:t>윗줄</a:t>
+            </a:r>
+            <a:r>
+              <a:rPr lang="en-US" altLang="ko-KR" dirty="0"/>
+              <a:t>)</a:t>
+            </a:r>
+            <a:r>
+              <a:rPr lang="ko-KR" altLang="en-US" dirty="0"/>
+              <a:t>에서 선언된 변수는 중괄호 안에서도 사용이 가능합니다</a:t>
+            </a:r>
+            <a:r>
+              <a:rPr lang="en-US" altLang="ko-KR" dirty="0"/>
+              <a:t>.</a:t>
+            </a:r>
+            <a:r>
+              <a:rPr lang="ko-KR" altLang="en-US" dirty="0"/>
+              <a:t>  </a:t>
+            </a:r>
             <a:endParaRPr lang="en-US" altLang="ko-KR" dirty="0"/>
-          </a:p>
-          <a:p>
-            <a:r>
-              <a:rPr lang="en-US" altLang="ko-KR" dirty="0"/>
-              <a:t>. (</a:t>
-            </a:r>
-            <a:r>
-              <a:rPr lang="ko-KR" altLang="en-US" dirty="0"/>
-              <a:t>점</a:t>
-            </a:r>
-            <a:r>
-              <a:rPr lang="en-US" altLang="ko-KR" dirty="0"/>
-              <a:t>)</a:t>
-            </a:r>
-            <a:r>
-              <a:rPr lang="ko-KR" altLang="en-US" dirty="0"/>
-              <a:t>을 뒤에 붙이면 앞에 있는 요소의 안에서 기능을 꺼내 온다고 보시면 됩니다</a:t>
-            </a:r>
-            <a:r>
-              <a:rPr lang="en-US" altLang="ko-KR" dirty="0"/>
-              <a:t>.</a:t>
-            </a:r>
-          </a:p>
-          <a:p>
-            <a:endParaRPr lang="en-US" altLang="ko-KR" dirty="0"/>
-          </a:p>
-          <a:p>
-            <a:r>
-              <a:rPr lang="ko-KR" altLang="en-US" dirty="0"/>
-              <a:t>물론 </a:t>
-            </a:r>
-            <a:r>
-              <a:rPr lang="en-US" altLang="ko-KR" dirty="0"/>
-              <a:t>Parse</a:t>
-            </a:r>
-            <a:r>
-              <a:rPr lang="ko-KR" altLang="en-US" dirty="0"/>
-              <a:t>로 전달되는 값이 숫자로 변환이 불가능한 값이라면 오류가 발생합니다</a:t>
-            </a:r>
-            <a:r>
-              <a:rPr lang="en-US" altLang="ko-KR" dirty="0"/>
-              <a:t>.</a:t>
-            </a:r>
-          </a:p>
-          <a:p>
-            <a:endParaRPr lang="en-US" altLang="ko-KR" dirty="0"/>
-          </a:p>
-          <a:p>
-            <a:r>
-              <a:rPr lang="en-US" altLang="ko-KR" dirty="0"/>
-              <a:t>Parse</a:t>
-            </a:r>
-            <a:r>
-              <a:rPr lang="ko-KR" altLang="en-US" dirty="0"/>
-              <a:t>는 대부분의 숫자형 자료형에 포함되어 있습니다</a:t>
-            </a:r>
-            <a:r>
-              <a:rPr lang="en-US" altLang="ko-KR" dirty="0"/>
-              <a:t>.</a:t>
-            </a:r>
-            <a:r>
-              <a:rPr lang="ko-KR" altLang="en-US" dirty="0"/>
-              <a:t> </a:t>
-            </a:r>
           </a:p>
         </p:txBody>
       </p:sp>
@@ -1794,7 +1878,7 @@
           <a:p>
             <a:fld id="{C09E5BFC-1559-42F1-8940-AB342D56BF02}" type="slidenum">
               <a:rPr lang="ko-KR" altLang="en-US" smtClean="0"/>
-              <a:t>19</a:t>
+              <a:t>18</a:t>
             </a:fld>
             <a:endParaRPr lang="ko-KR" altLang="en-US"/>
           </a:p>
@@ -1803,7 +1887,7 @@
     </p:spTree>
     <p:extLst>
       <p:ext uri="{BB962C8B-B14F-4D97-AF65-F5344CB8AC3E}">
-        <p14:creationId xmlns:p14="http://schemas.microsoft.com/office/powerpoint/2010/main" val="884189349"/>
+        <p14:creationId xmlns:p14="http://schemas.microsoft.com/office/powerpoint/2010/main" val="1995523419"/>
       </p:ext>
     </p:extLst>
   </p:cSld>
@@ -1859,11 +1943,11 @@
           <a:p>
             <a:r>
               <a:rPr lang="en-US" altLang="ko-KR" dirty="0"/>
-              <a:t>int -&gt; string </a:t>
-            </a:r>
-            <a:r>
-              <a:rPr lang="ko-KR" altLang="en-US" dirty="0"/>
-              <a:t>으로 변환하려고 할 때</a:t>
+              <a:t>string -&gt; int </a:t>
+            </a:r>
+            <a:r>
+              <a:rPr lang="ko-KR" altLang="en-US" dirty="0"/>
+              <a:t>로 변환하려고 할 때</a:t>
             </a:r>
             <a:r>
               <a:rPr lang="en-US" altLang="ko-KR" dirty="0"/>
@@ -1875,10 +1959,6 @@
           </a:p>
           <a:p>
             <a:r>
-              <a:rPr lang="ko-KR" altLang="en-US" dirty="0"/>
-              <a:t>거의 모든 자료형 및 각종 데이터 형식에서 </a:t>
-            </a:r>
-            <a:r>
               <a:rPr lang="en-US" altLang="ko-KR" dirty="0"/>
               <a:t>. (</a:t>
             </a:r>
@@ -1892,23 +1972,11 @@
             </a:r>
             <a:r>
               <a:rPr lang="ko-KR" altLang="en-US" dirty="0"/>
-              <a:t>을 찍어보면 </a:t>
-            </a:r>
-            <a:r>
-              <a:rPr lang="en-US" altLang="ko-KR" dirty="0" err="1"/>
-              <a:t>ToString</a:t>
-            </a:r>
-            <a:r>
-              <a:rPr lang="en-US" altLang="ko-KR" dirty="0"/>
-              <a:t>() </a:t>
-            </a:r>
-            <a:r>
-              <a:rPr lang="ko-KR" altLang="en-US" dirty="0"/>
-              <a:t>함수를 확인할 수 있습니다</a:t>
-            </a:r>
-            <a:r>
-              <a:rPr lang="en-US" altLang="ko-KR" dirty="0"/>
-              <a:t>. </a:t>
+              <a:t>을 뒤에 붙이면 앞에 있는 요소의 안에서 기능을 꺼내 온다고 보시면 됩니다</a:t>
+            </a:r>
+            <a:r>
+              <a:rPr lang="en-US" altLang="ko-KR" dirty="0"/>
+              <a:t>.</a:t>
             </a:r>
           </a:p>
           <a:p>
@@ -1917,29 +1985,41 @@
           <a:p>
             <a:r>
               <a:rPr lang="ko-KR" altLang="en-US" dirty="0"/>
-              <a:t>이는 해당 자료형을 </a:t>
-            </a:r>
-            <a:r>
-              <a:rPr lang="en-US" altLang="ko-KR" dirty="0"/>
-              <a:t>string (</a:t>
-            </a:r>
-            <a:r>
-              <a:rPr lang="ko-KR" altLang="en-US" dirty="0"/>
-              <a:t>문자열</a:t>
-            </a:r>
-            <a:r>
-              <a:rPr lang="en-US" altLang="ko-KR" dirty="0"/>
-              <a:t>)</a:t>
-            </a:r>
-            <a:r>
-              <a:rPr lang="ko-KR" altLang="en-US" dirty="0"/>
-              <a:t>로 변환시켜 주는 역할을 합니다</a:t>
+              <a:t>물론 </a:t>
+            </a:r>
+            <a:r>
+              <a:rPr lang="en-US" altLang="ko-KR" dirty="0"/>
+              <a:t>Parse</a:t>
+            </a:r>
+            <a:r>
+              <a:rPr lang="ko-KR" altLang="en-US" dirty="0"/>
+              <a:t>로 전달되는 값이 숫자로 변환이 불가능한 값이라면 오류가 발생합니다</a:t>
             </a:r>
             <a:r>
               <a:rPr lang="en-US" altLang="ko-KR" dirty="0"/>
               <a:t>.</a:t>
             </a:r>
-            <a:endParaRPr lang="ko-KR" altLang="en-US" dirty="0"/>
+          </a:p>
+          <a:p>
+            <a:endParaRPr lang="en-US" altLang="ko-KR" dirty="0"/>
+          </a:p>
+          <a:p>
+            <a:r>
+              <a:rPr lang="en-US" altLang="ko-KR" dirty="0"/>
+              <a:t>Parse</a:t>
+            </a:r>
+            <a:r>
+              <a:rPr lang="ko-KR" altLang="en-US" dirty="0"/>
+              <a:t>는 대부분의 숫자형 자료형에 포함되어 있습니다</a:t>
+            </a:r>
+            <a:r>
+              <a:rPr lang="en-US" altLang="ko-KR" dirty="0"/>
+              <a:t>.</a:t>
+            </a:r>
+            <a:r>
+              <a:rPr lang="ko-KR" altLang="en-US" dirty="0"/>
+              <a:t> </a:t>
+            </a:r>
           </a:p>
         </p:txBody>
       </p:sp>
@@ -1960,7 +2040,7 @@
           <a:p>
             <a:fld id="{C09E5BFC-1559-42F1-8940-AB342D56BF02}" type="slidenum">
               <a:rPr lang="ko-KR" altLang="en-US" smtClean="0"/>
-              <a:t>20</a:t>
+              <a:t>19</a:t>
             </a:fld>
             <a:endParaRPr lang="ko-KR" altLang="en-US"/>
           </a:p>
@@ -1969,7 +2049,7 @@
     </p:spTree>
     <p:extLst>
       <p:ext uri="{BB962C8B-B14F-4D97-AF65-F5344CB8AC3E}">
-        <p14:creationId xmlns:p14="http://schemas.microsoft.com/office/powerpoint/2010/main" val="239797594"/>
+        <p14:creationId xmlns:p14="http://schemas.microsoft.com/office/powerpoint/2010/main" val="884189349"/>
       </p:ext>
     </p:extLst>
   </p:cSld>
@@ -2025,53 +2105,86 @@
           <a:p>
             <a:r>
               <a:rPr lang="en-US" altLang="ko-KR" dirty="0"/>
-              <a:t>+= </a:t>
-            </a:r>
-            <a:r>
-              <a:rPr lang="ko-KR" altLang="en-US" dirty="0"/>
-              <a:t>기호와 관련해서는 소스코드를 작성해서 보여줄 것 </a:t>
-            </a:r>
+              <a:t>int -&gt; string </a:t>
+            </a:r>
+            <a:r>
+              <a:rPr lang="ko-KR" altLang="en-US" dirty="0"/>
+              <a:t>으로 변환하려고 할 때</a:t>
+            </a:r>
+            <a:r>
+              <a:rPr lang="en-US" altLang="ko-KR" dirty="0"/>
+              <a:t>,</a:t>
+            </a:r>
+          </a:p>
+          <a:p>
             <a:endParaRPr lang="en-US" altLang="ko-KR" dirty="0"/>
           </a:p>
           <a:p>
+            <a:r>
+              <a:rPr lang="ko-KR" altLang="en-US" dirty="0"/>
+              <a:t>거의 모든 자료형 및 각종 데이터 형식에서 </a:t>
+            </a:r>
+            <a:r>
+              <a:rPr lang="en-US" altLang="ko-KR" dirty="0"/>
+              <a:t>. (</a:t>
+            </a:r>
+            <a:r>
+              <a:rPr lang="ko-KR" altLang="en-US" dirty="0"/>
+              <a:t>점</a:t>
+            </a:r>
+            <a:r>
+              <a:rPr lang="en-US" altLang="ko-KR" dirty="0"/>
+              <a:t>)</a:t>
+            </a:r>
+            <a:r>
+              <a:rPr lang="ko-KR" altLang="en-US" dirty="0"/>
+              <a:t>을 찍어보면 </a:t>
+            </a:r>
+            <a:r>
+              <a:rPr lang="en-US" altLang="ko-KR" dirty="0" err="1"/>
+              <a:t>ToString</a:t>
+            </a:r>
+            <a:r>
+              <a:rPr lang="en-US" altLang="ko-KR" dirty="0"/>
+              <a:t>() </a:t>
+            </a:r>
+            <a:r>
+              <a:rPr lang="ko-KR" altLang="en-US" dirty="0"/>
+              <a:t>함수를 확인할 수 있습니다</a:t>
+            </a:r>
+            <a:r>
+              <a:rPr lang="en-US" altLang="ko-KR" dirty="0"/>
+              <a:t>. </a:t>
+            </a:r>
+          </a:p>
+          <a:p>
             <a:endParaRPr lang="en-US" altLang="ko-KR" dirty="0"/>
           </a:p>
           <a:p>
             <a:r>
-              <a:rPr lang="en-US" altLang="ko-KR" dirty="0"/>
-              <a:t>int a = 10;</a:t>
-            </a:r>
-          </a:p>
-          <a:p>
-            <a:endParaRPr lang="en-US" altLang="ko-KR" dirty="0"/>
-          </a:p>
-          <a:p>
-            <a:r>
-              <a:rPr lang="en-US" altLang="ko-KR" dirty="0"/>
-              <a:t>// </a:t>
-            </a:r>
-            <a:r>
-              <a:rPr lang="ko-KR" altLang="en-US" dirty="0"/>
-              <a:t>아래 두 줄은 완전히 같은 기능을 함</a:t>
-            </a:r>
-            <a:endParaRPr lang="en-US" altLang="ko-KR" dirty="0"/>
-          </a:p>
-          <a:p>
-            <a:r>
-              <a:rPr lang="en-US" altLang="ko-KR" dirty="0"/>
-              <a:t>a += 5; </a:t>
-            </a:r>
-          </a:p>
-          <a:p>
-            <a:r>
-              <a:rPr lang="en-US" altLang="ko-KR" dirty="0"/>
-              <a:t>a = a + 5; </a:t>
-            </a:r>
-          </a:p>
-          <a:p>
-            <a:endParaRPr lang="en-US" altLang="ko-KR" dirty="0"/>
-          </a:p>
-          <a:p>
+              <a:rPr lang="ko-KR" altLang="en-US" dirty="0"/>
+              <a:t>이는 해당 자료형을 </a:t>
+            </a:r>
+            <a:r>
+              <a:rPr lang="en-US" altLang="ko-KR" dirty="0"/>
+              <a:t>string (</a:t>
+            </a:r>
+            <a:r>
+              <a:rPr lang="ko-KR" altLang="en-US" dirty="0"/>
+              <a:t>문자열</a:t>
+            </a:r>
+            <a:r>
+              <a:rPr lang="en-US" altLang="ko-KR" dirty="0"/>
+              <a:t>)</a:t>
+            </a:r>
+            <a:r>
+              <a:rPr lang="ko-KR" altLang="en-US" dirty="0"/>
+              <a:t>로 변환시켜 주는 역할을 합니다</a:t>
+            </a:r>
+            <a:r>
+              <a:rPr lang="en-US" altLang="ko-KR" dirty="0"/>
+              <a:t>.</a:t>
+            </a:r>
             <a:endParaRPr lang="ko-KR" altLang="en-US" dirty="0"/>
           </a:p>
         </p:txBody>
@@ -2093,7 +2206,7 @@
           <a:p>
             <a:fld id="{C09E5BFC-1559-42F1-8940-AB342D56BF02}" type="slidenum">
               <a:rPr lang="ko-KR" altLang="en-US" smtClean="0"/>
-              <a:t>21</a:t>
+              <a:t>20</a:t>
             </a:fld>
             <a:endParaRPr lang="ko-KR" altLang="en-US"/>
           </a:p>
@@ -2102,7 +2215,7 @@
     </p:spTree>
     <p:extLst>
       <p:ext uri="{BB962C8B-B14F-4D97-AF65-F5344CB8AC3E}">
-        <p14:creationId xmlns:p14="http://schemas.microsoft.com/office/powerpoint/2010/main" val="521764697"/>
+        <p14:creationId xmlns:p14="http://schemas.microsoft.com/office/powerpoint/2010/main" val="239797594"/>
       </p:ext>
     </p:extLst>
   </p:cSld>
@@ -2157,134 +2270,54 @@
           <a:lstStyle/>
           <a:p>
             <a:r>
-              <a:rPr lang="ko-KR" altLang="en-US" dirty="0"/>
-              <a:t>변수의 이름은 최소 단어 세 글자를 조합하여</a:t>
-            </a:r>
-            <a:r>
-              <a:rPr lang="en-US" altLang="ko-KR" dirty="0"/>
-              <a:t>, </a:t>
-            </a:r>
-          </a:p>
-          <a:p>
+              <a:rPr lang="en-US" altLang="ko-KR" dirty="0"/>
+              <a:t>+= </a:t>
+            </a:r>
+            <a:r>
+              <a:rPr lang="ko-KR" altLang="en-US" dirty="0"/>
+              <a:t>기호와 관련해서는 소스코드를 작성해서 보여줄 것 </a:t>
+            </a:r>
             <a:endParaRPr lang="en-US" altLang="ko-KR" dirty="0"/>
           </a:p>
           <a:p>
-            <a:r>
-              <a:rPr lang="ko-KR" altLang="en-US" dirty="0"/>
-              <a:t>예를 들어 로켓이 목적지에 도착하기 까지의 거리를 표현하는 </a:t>
-            </a:r>
-            <a:r>
-              <a:rPr lang="en-US" altLang="ko-KR" dirty="0"/>
-              <a:t>long </a:t>
-            </a:r>
-            <a:r>
-              <a:rPr lang="ko-KR" altLang="en-US" dirty="0"/>
-              <a:t>타입 변수가 있다면</a:t>
-            </a:r>
-            <a:r>
-              <a:rPr lang="en-US" altLang="ko-KR" dirty="0"/>
-              <a:t>, </a:t>
-            </a:r>
-          </a:p>
-          <a:p>
             <a:endParaRPr lang="en-US" altLang="ko-KR" dirty="0"/>
           </a:p>
           <a:p>
             <a:r>
               <a:rPr lang="en-US" altLang="ko-KR" dirty="0"/>
-              <a:t>distance: </a:t>
-            </a:r>
-            <a:r>
-              <a:rPr lang="ko-KR" altLang="en-US" dirty="0"/>
-              <a:t>나쁨</a:t>
-            </a:r>
+              <a:t>int a = 10;</a:t>
+            </a:r>
+          </a:p>
+          <a:p>
             <a:endParaRPr lang="en-US" altLang="ko-KR" dirty="0"/>
           </a:p>
           <a:p>
             <a:r>
-              <a:rPr lang="en-US" altLang="ko-KR" dirty="0" err="1"/>
-              <a:t>remainDistance</a:t>
-            </a:r>
-            <a:r>
-              <a:rPr lang="en-US" altLang="ko-KR" dirty="0"/>
-              <a:t>: </a:t>
-            </a:r>
-            <a:r>
-              <a:rPr lang="ko-KR" altLang="en-US" dirty="0"/>
-              <a:t>나쁘지 않음</a:t>
+              <a:rPr lang="en-US" altLang="ko-KR" dirty="0"/>
+              <a:t>// </a:t>
+            </a:r>
+            <a:r>
+              <a:rPr lang="ko-KR" altLang="en-US" dirty="0"/>
+              <a:t>아래 두 줄은 완전히 같은 기능을 함</a:t>
             </a:r>
             <a:endParaRPr lang="en-US" altLang="ko-KR" dirty="0"/>
           </a:p>
           <a:p>
             <a:r>
-              <a:rPr lang="en-US" altLang="ko-KR" dirty="0" err="1"/>
-              <a:t>remainDistnace_cm</a:t>
-            </a:r>
-            <a:r>
-              <a:rPr lang="en-US" altLang="ko-KR" dirty="0"/>
-              <a:t>: </a:t>
-            </a:r>
-            <a:r>
-              <a:rPr lang="ko-KR" altLang="en-US" dirty="0"/>
-              <a:t>좋음 </a:t>
-            </a:r>
-            <a:r>
-              <a:rPr lang="en-US" altLang="ko-KR" dirty="0"/>
-              <a:t>(</a:t>
-            </a:r>
-            <a:r>
-              <a:rPr lang="ko-KR" altLang="en-US" dirty="0"/>
-              <a:t>단위가 </a:t>
-            </a:r>
-            <a:r>
-              <a:rPr lang="en-US" altLang="ko-KR" dirty="0"/>
-              <a:t>cm </a:t>
-            </a:r>
-            <a:r>
-              <a:rPr lang="ko-KR" altLang="en-US" dirty="0"/>
-              <a:t>임을 기입</a:t>
-            </a:r>
-            <a:r>
-              <a:rPr lang="en-US" altLang="ko-KR" dirty="0"/>
-              <a:t>) </a:t>
+              <a:rPr lang="en-US" altLang="ko-KR" dirty="0"/>
+              <a:t>a += 5; </a:t>
+            </a:r>
+          </a:p>
+          <a:p>
+            <a:r>
+              <a:rPr lang="en-US" altLang="ko-KR" dirty="0"/>
+              <a:t>a = a + 5; </a:t>
             </a:r>
           </a:p>
           <a:p>
             <a:endParaRPr lang="en-US" altLang="ko-KR" dirty="0"/>
           </a:p>
           <a:p>
-            <a:r>
-              <a:rPr lang="ko-KR" altLang="en-US" dirty="0"/>
-              <a:t>물론</a:t>
-            </a:r>
-            <a:r>
-              <a:rPr lang="en-US" altLang="ko-KR" dirty="0"/>
-              <a:t>, </a:t>
-            </a:r>
-            <a:r>
-              <a:rPr lang="ko-KR" altLang="en-US" dirty="0"/>
-              <a:t>변수명을 복잡하게 짓는 경우는 많지 않지만</a:t>
-            </a:r>
-            <a:r>
-              <a:rPr lang="en-US" altLang="ko-KR" dirty="0"/>
-              <a:t>, </a:t>
-            </a:r>
-            <a:r>
-              <a:rPr lang="ko-KR" altLang="en-US" dirty="0"/>
-              <a:t>이후 클래스</a:t>
-            </a:r>
-            <a:r>
-              <a:rPr lang="en-US" altLang="ko-KR" dirty="0"/>
-              <a:t>, </a:t>
-            </a:r>
-            <a:r>
-              <a:rPr lang="ko-KR" altLang="en-US" dirty="0"/>
-              <a:t>함수 명은 용도에 맞게 고민하여 이름을 지어야 하기 때문에 지금 미리 연습하는 것</a:t>
-            </a:r>
-            <a:r>
-              <a:rPr lang="en-US" altLang="ko-KR" dirty="0"/>
-              <a:t>.</a:t>
-            </a:r>
             <a:endParaRPr lang="ko-KR" altLang="en-US" dirty="0"/>
           </a:p>
         </p:txBody>
@@ -2306,7 +2339,7 @@
           <a:p>
             <a:fld id="{C09E5BFC-1559-42F1-8940-AB342D56BF02}" type="slidenum">
               <a:rPr lang="ko-KR" altLang="en-US" smtClean="0"/>
-              <a:t>22</a:t>
+              <a:t>21</a:t>
             </a:fld>
             <a:endParaRPr lang="ko-KR" altLang="en-US"/>
           </a:p>
@@ -2315,7 +2348,7 @@
     </p:spTree>
     <p:extLst>
       <p:ext uri="{BB962C8B-B14F-4D97-AF65-F5344CB8AC3E}">
-        <p14:creationId xmlns:p14="http://schemas.microsoft.com/office/powerpoint/2010/main" val="3235537643"/>
+        <p14:creationId xmlns:p14="http://schemas.microsoft.com/office/powerpoint/2010/main" val="521764697"/>
       </p:ext>
     </p:extLst>
   </p:cSld>
@@ -2371,14 +2404,132 @@
           <a:p>
             <a:r>
               <a:rPr lang="ko-KR" altLang="en-US" dirty="0"/>
-              <a:t>유니코드에 대한 자세한 설명</a:t>
-            </a:r>
+              <a:t>변수의 이름은 최소 단어 세 글자를 조합하여</a:t>
+            </a:r>
+            <a:r>
+              <a:rPr lang="en-US" altLang="ko-KR" dirty="0"/>
+              <a:t>, </a:t>
+            </a:r>
+          </a:p>
+          <a:p>
             <a:endParaRPr lang="en-US" altLang="ko-KR" dirty="0"/>
           </a:p>
           <a:p>
             <a:r>
-              <a:rPr lang="en-US" altLang="ko-KR" dirty="0"/>
-              <a:t>https://forward-movement.tistory.com/182</a:t>
+              <a:rPr lang="ko-KR" altLang="en-US" dirty="0"/>
+              <a:t>예를 들어 로켓이 목적지에 도착하기 까지의 거리를 표현하는 </a:t>
+            </a:r>
+            <a:r>
+              <a:rPr lang="en-US" altLang="ko-KR" dirty="0"/>
+              <a:t>long </a:t>
+            </a:r>
+            <a:r>
+              <a:rPr lang="ko-KR" altLang="en-US" dirty="0"/>
+              <a:t>타입 변수가 있다면</a:t>
+            </a:r>
+            <a:r>
+              <a:rPr lang="en-US" altLang="ko-KR" dirty="0"/>
+              <a:t>, </a:t>
+            </a:r>
+          </a:p>
+          <a:p>
+            <a:endParaRPr lang="en-US" altLang="ko-KR" dirty="0"/>
+          </a:p>
+          <a:p>
+            <a:r>
+              <a:rPr lang="en-US" altLang="ko-KR" dirty="0"/>
+              <a:t>distance: </a:t>
+            </a:r>
+            <a:r>
+              <a:rPr lang="ko-KR" altLang="en-US" dirty="0"/>
+              <a:t>나쁨</a:t>
+            </a:r>
+            <a:endParaRPr lang="en-US" altLang="ko-KR" dirty="0"/>
+          </a:p>
+          <a:p>
+            <a:r>
+              <a:rPr lang="en-US" altLang="ko-KR" dirty="0" err="1"/>
+              <a:t>remainDistance</a:t>
+            </a:r>
+            <a:r>
+              <a:rPr lang="en-US" altLang="ko-KR" dirty="0"/>
+              <a:t>: </a:t>
+            </a:r>
+            <a:r>
+              <a:rPr lang="ko-KR" altLang="en-US" dirty="0"/>
+              <a:t>나쁘지 않음</a:t>
+            </a:r>
+            <a:endParaRPr lang="en-US" altLang="ko-KR" dirty="0"/>
+          </a:p>
+          <a:p>
+            <a:r>
+              <a:rPr lang="en-US" altLang="ko-KR" dirty="0" err="1"/>
+              <a:t>remainDistnace_cm</a:t>
+            </a:r>
+            <a:r>
+              <a:rPr lang="en-US" altLang="ko-KR" dirty="0"/>
+              <a:t>: </a:t>
+            </a:r>
+            <a:r>
+              <a:rPr lang="ko-KR" altLang="en-US" dirty="0"/>
+              <a:t>좋음 </a:t>
+            </a:r>
+            <a:r>
+              <a:rPr lang="en-US" altLang="ko-KR" dirty="0"/>
+              <a:t>(</a:t>
+            </a:r>
+            <a:r>
+              <a:rPr lang="ko-KR" altLang="en-US" dirty="0"/>
+              <a:t>단위가 </a:t>
+            </a:r>
+            <a:r>
+              <a:rPr lang="en-US" altLang="ko-KR" dirty="0"/>
+              <a:t>cm </a:t>
+            </a:r>
+            <a:r>
+              <a:rPr lang="ko-KR" altLang="en-US" dirty="0"/>
+              <a:t>임을 기입</a:t>
+            </a:r>
+            <a:r>
+              <a:rPr lang="en-US" altLang="ko-KR" dirty="0"/>
+              <a:t>) </a:t>
+            </a:r>
+          </a:p>
+          <a:p>
+            <a:endParaRPr lang="en-US" altLang="ko-KR" dirty="0"/>
+          </a:p>
+          <a:p>
+            <a:r>
+              <a:rPr lang="ko-KR" altLang="en-US" dirty="0"/>
+              <a:t>물론</a:t>
+            </a:r>
+            <a:r>
+              <a:rPr lang="en-US" altLang="ko-KR" dirty="0"/>
+              <a:t>, </a:t>
+            </a:r>
+            <a:r>
+              <a:rPr lang="ko-KR" altLang="en-US" dirty="0"/>
+              <a:t>변수명을 복잡하게 짓는 경우는 많지 않지만</a:t>
+            </a:r>
+            <a:r>
+              <a:rPr lang="en-US" altLang="ko-KR" dirty="0"/>
+              <a:t>, </a:t>
+            </a:r>
+            <a:r>
+              <a:rPr lang="ko-KR" altLang="en-US" dirty="0"/>
+              <a:t>이후 클래스</a:t>
+            </a:r>
+            <a:r>
+              <a:rPr lang="en-US" altLang="ko-KR" dirty="0"/>
+              <a:t>, </a:t>
+            </a:r>
+            <a:r>
+              <a:rPr lang="ko-KR" altLang="en-US" dirty="0"/>
+              <a:t>함수 명은 용도에 맞게 고민하여 이름을 지어야 하기 때문에 지금 미리 연습하는 것</a:t>
+            </a:r>
+            <a:r>
+              <a:rPr lang="en-US" altLang="ko-KR" dirty="0"/>
+              <a:t>.</a:t>
             </a:r>
             <a:endParaRPr lang="ko-KR" altLang="en-US" dirty="0"/>
           </a:p>
@@ -2401,7 +2552,7 @@
           <a:p>
             <a:fld id="{C09E5BFC-1559-42F1-8940-AB342D56BF02}" type="slidenum">
               <a:rPr lang="ko-KR" altLang="en-US" smtClean="0"/>
-              <a:t>26</a:t>
+              <a:t>22</a:t>
             </a:fld>
             <a:endParaRPr lang="ko-KR" altLang="en-US"/>
           </a:p>
@@ -2410,7 +2561,7 @@
     </p:spTree>
     <p:extLst>
       <p:ext uri="{BB962C8B-B14F-4D97-AF65-F5344CB8AC3E}">
-        <p14:creationId xmlns:p14="http://schemas.microsoft.com/office/powerpoint/2010/main" val="2621466457"/>
+        <p14:creationId xmlns:p14="http://schemas.microsoft.com/office/powerpoint/2010/main" val="3235537643"/>
       </p:ext>
     </p:extLst>
   </p:cSld>
@@ -2464,30 +2615,6 @@
           <a:bodyPr/>
           <a:lstStyle/>
           <a:p>
-            <a:r>
-              <a:rPr lang="ko-KR" altLang="en-US" dirty="0"/>
-              <a:t>아래 링크는 </a:t>
-            </a:r>
-            <a:r>
-              <a:rPr lang="en-US" altLang="ko-KR" dirty="0"/>
-              <a:t>string </a:t>
-            </a:r>
-            <a:r>
-              <a:rPr lang="ko-KR" altLang="en-US" dirty="0"/>
-              <a:t>관련 마소 공식 매뉴얼</a:t>
-            </a:r>
-            <a:r>
-              <a:rPr lang="en-US" altLang="ko-KR" dirty="0"/>
-              <a:t>, </a:t>
-            </a:r>
-            <a:r>
-              <a:rPr lang="ko-KR" altLang="en-US" dirty="0"/>
-              <a:t>참고하여 사용 법을 숙지하면 좋습니다</a:t>
-            </a:r>
-            <a:r>
-              <a:rPr lang="en-US" altLang="ko-KR" dirty="0"/>
-              <a:t>.</a:t>
-            </a:r>
             <a:endParaRPr lang="ko-KR" altLang="en-US" dirty="0"/>
           </a:p>
         </p:txBody>
@@ -2509,7 +2636,7 @@
           <a:p>
             <a:fld id="{C09E5BFC-1559-42F1-8940-AB342D56BF02}" type="slidenum">
               <a:rPr lang="ko-KR" altLang="en-US" smtClean="0"/>
-              <a:t>27</a:t>
+              <a:t>23</a:t>
             </a:fld>
             <a:endParaRPr lang="ko-KR" altLang="en-US"/>
           </a:p>
@@ -2518,7 +2645,7 @@
     </p:spTree>
     <p:extLst>
       <p:ext uri="{BB962C8B-B14F-4D97-AF65-F5344CB8AC3E}">
-        <p14:creationId xmlns:p14="http://schemas.microsoft.com/office/powerpoint/2010/main" val="665744064"/>
+        <p14:creationId xmlns:p14="http://schemas.microsoft.com/office/powerpoint/2010/main" val="1138033752"/>
       </p:ext>
     </p:extLst>
   </p:cSld>
@@ -2697,30 +2824,16 @@
           <a:p>
             <a:r>
               <a:rPr lang="ko-KR" altLang="en-US" dirty="0"/>
-              <a:t>변수를 선언하듯 함수도 사용을 하기 전에 선언을 먼저 해야 합니다</a:t>
-            </a:r>
-            <a:r>
-              <a:rPr lang="en-US" altLang="ko-KR" dirty="0"/>
-              <a:t>.</a:t>
-            </a:r>
-          </a:p>
-          <a:p>
+              <a:t>유니코드에 대한 자세한 설명</a:t>
+            </a:r>
             <a:endParaRPr lang="en-US" altLang="ko-KR" dirty="0"/>
           </a:p>
           <a:p>
             <a:r>
-              <a:rPr lang="ko-KR" altLang="en-US" dirty="0"/>
-              <a:t>중괄호 안에 사용하여 함수의 기능을 구현하는 코드를 작성합니다</a:t>
-            </a:r>
-            <a:r>
-              <a:rPr lang="en-US" altLang="ko-KR" dirty="0"/>
-              <a:t>.</a:t>
-            </a:r>
-            <a:r>
-              <a:rPr lang="ko-KR" altLang="en-US" dirty="0"/>
-              <a:t> </a:t>
-            </a:r>
-            <a:endParaRPr lang="en-US" altLang="ko-KR" dirty="0"/>
+              <a:rPr lang="en-US" altLang="ko-KR" dirty="0"/>
+              <a:t>https://forward-movement.tistory.com/182</a:t>
+            </a:r>
+            <a:endParaRPr lang="ko-KR" altLang="en-US" dirty="0"/>
           </a:p>
         </p:txBody>
       </p:sp>
@@ -2741,7 +2854,7 @@
           <a:p>
             <a:fld id="{C09E5BFC-1559-42F1-8940-AB342D56BF02}" type="slidenum">
               <a:rPr lang="ko-KR" altLang="en-US" smtClean="0"/>
-              <a:t>31</a:t>
+              <a:t>26</a:t>
             </a:fld>
             <a:endParaRPr lang="ko-KR" altLang="en-US"/>
           </a:p>
@@ -2750,7 +2863,7 @@
     </p:spTree>
     <p:extLst>
       <p:ext uri="{BB962C8B-B14F-4D97-AF65-F5344CB8AC3E}">
-        <p14:creationId xmlns:p14="http://schemas.microsoft.com/office/powerpoint/2010/main" val="1477497809"/>
+        <p14:creationId xmlns:p14="http://schemas.microsoft.com/office/powerpoint/2010/main" val="2621466457"/>
       </p:ext>
     </p:extLst>
   </p:cSld>
@@ -2804,6 +2917,30 @@
           <a:bodyPr/>
           <a:lstStyle/>
           <a:p>
+            <a:r>
+              <a:rPr lang="ko-KR" altLang="en-US" dirty="0"/>
+              <a:t>아래 링크는 </a:t>
+            </a:r>
+            <a:r>
+              <a:rPr lang="en-US" altLang="ko-KR" dirty="0"/>
+              <a:t>string </a:t>
+            </a:r>
+            <a:r>
+              <a:rPr lang="ko-KR" altLang="en-US" dirty="0"/>
+              <a:t>관련 마소 공식 매뉴얼</a:t>
+            </a:r>
+            <a:r>
+              <a:rPr lang="en-US" altLang="ko-KR" dirty="0"/>
+              <a:t>, </a:t>
+            </a:r>
+            <a:r>
+              <a:rPr lang="ko-KR" altLang="en-US" dirty="0"/>
+              <a:t>참고하여 사용 법을 숙지하면 좋습니다</a:t>
+            </a:r>
+            <a:r>
+              <a:rPr lang="en-US" altLang="ko-KR" dirty="0"/>
+              <a:t>.</a:t>
+            </a:r>
             <a:endParaRPr lang="ko-KR" altLang="en-US" dirty="0"/>
           </a:p>
         </p:txBody>
@@ -2825,7 +2962,7 @@
           <a:p>
             <a:fld id="{C09E5BFC-1559-42F1-8940-AB342D56BF02}" type="slidenum">
               <a:rPr lang="ko-KR" altLang="en-US" smtClean="0"/>
-              <a:t>35</a:t>
+              <a:t>27</a:t>
             </a:fld>
             <a:endParaRPr lang="ko-KR" altLang="en-US"/>
           </a:p>
@@ -2834,7 +2971,7 @@
     </p:spTree>
     <p:extLst>
       <p:ext uri="{BB962C8B-B14F-4D97-AF65-F5344CB8AC3E}">
-        <p14:creationId xmlns:p14="http://schemas.microsoft.com/office/powerpoint/2010/main" val="2108181996"/>
+        <p14:creationId xmlns:p14="http://schemas.microsoft.com/office/powerpoint/2010/main" val="665744064"/>
       </p:ext>
     </p:extLst>
   </p:cSld>
@@ -2888,7 +3025,32 @@
           <a:bodyPr/>
           <a:lstStyle/>
           <a:p>
-            <a:endParaRPr lang="ko-KR" altLang="en-US" dirty="0"/>
+            <a:r>
+              <a:rPr lang="ko-KR" altLang="en-US" dirty="0"/>
+              <a:t>변수를 선언하듯 함수도 사용을 하기 전에 선언을 먼저 해야 합니다</a:t>
+            </a:r>
+            <a:r>
+              <a:rPr lang="en-US" altLang="ko-KR" dirty="0"/>
+              <a:t>.</a:t>
+            </a:r>
+          </a:p>
+          <a:p>
+            <a:endParaRPr lang="en-US" altLang="ko-KR" dirty="0"/>
+          </a:p>
+          <a:p>
+            <a:r>
+              <a:rPr lang="ko-KR" altLang="en-US" dirty="0"/>
+              <a:t>중괄호 안에 사용하여 함수의 기능을 구현하는 코드를 작성합니다</a:t>
+            </a:r>
+            <a:r>
+              <a:rPr lang="en-US" altLang="ko-KR" dirty="0"/>
+              <a:t>.</a:t>
+            </a:r>
+            <a:r>
+              <a:rPr lang="ko-KR" altLang="en-US" dirty="0"/>
+              <a:t> </a:t>
+            </a:r>
+            <a:endParaRPr lang="en-US" altLang="ko-KR" dirty="0"/>
           </a:p>
         </p:txBody>
       </p:sp>
@@ -2909,7 +3071,7 @@
           <a:p>
             <a:fld id="{C09E5BFC-1559-42F1-8940-AB342D56BF02}" type="slidenum">
               <a:rPr lang="ko-KR" altLang="en-US" smtClean="0"/>
-              <a:t>38</a:t>
+              <a:t>31</a:t>
             </a:fld>
             <a:endParaRPr lang="ko-KR" altLang="en-US"/>
           </a:p>
@@ -2918,7 +3080,7 @@
     </p:spTree>
     <p:extLst>
       <p:ext uri="{BB962C8B-B14F-4D97-AF65-F5344CB8AC3E}">
-        <p14:creationId xmlns:p14="http://schemas.microsoft.com/office/powerpoint/2010/main" val="4006687064"/>
+        <p14:creationId xmlns:p14="http://schemas.microsoft.com/office/powerpoint/2010/main" val="1477497809"/>
       </p:ext>
     </p:extLst>
   </p:cSld>
@@ -2993,7 +3155,7 @@
           <a:p>
             <a:fld id="{C09E5BFC-1559-42F1-8940-AB342D56BF02}" type="slidenum">
               <a:rPr lang="ko-KR" altLang="en-US" smtClean="0"/>
-              <a:t>39</a:t>
+              <a:t>35</a:t>
             </a:fld>
             <a:endParaRPr lang="ko-KR" altLang="en-US"/>
           </a:p>
@@ -3002,7 +3164,7 @@
     </p:spTree>
     <p:extLst>
       <p:ext uri="{BB962C8B-B14F-4D97-AF65-F5344CB8AC3E}">
-        <p14:creationId xmlns:p14="http://schemas.microsoft.com/office/powerpoint/2010/main" val="3534195266"/>
+        <p14:creationId xmlns:p14="http://schemas.microsoft.com/office/powerpoint/2010/main" val="2108181996"/>
       </p:ext>
     </p:extLst>
   </p:cSld>
@@ -3017,13 +3179,7 @@
   <p:cSld>
     <p:spTree>
       <p:nvGrpSpPr>
-        <p:cNvPr id="1" name="">
-          <a:extLst>
-            <a:ext uri="{FF2B5EF4-FFF2-40B4-BE49-F238E27FC236}">
-              <a16:creationId xmlns:a16="http://schemas.microsoft.com/office/drawing/2014/main" id="{FDCBA2A4-A00B-C97A-474C-37C4EBB69D6D}"/>
-            </a:ext>
-          </a:extLst>
-        </p:cNvPr>
+        <p:cNvPr id="1" name=""/>
         <p:cNvGrpSpPr/>
         <p:nvPr/>
       </p:nvGrpSpPr>
@@ -3037,13 +3193,7 @@
       </p:grpSpPr>
       <p:sp>
         <p:nvSpPr>
-          <p:cNvPr id="2" name="슬라이드 이미지 개체 틀 1">
-            <a:extLst>
-              <a:ext uri="{FF2B5EF4-FFF2-40B4-BE49-F238E27FC236}">
-                <a16:creationId xmlns:a16="http://schemas.microsoft.com/office/drawing/2014/main" id="{0E8E5E2B-39C8-549D-7B14-FEB181BE34B1}"/>
-              </a:ext>
-            </a:extLst>
-          </p:cNvPr>
+          <p:cNvPr id="2" name="슬라이드 이미지 개체 틀 1"/>
           <p:cNvSpPr>
             <a:spLocks noGrp="1" noRot="1" noChangeAspect="1"/>
           </p:cNvSpPr>
@@ -3055,13 +3205,7 @@
       </p:sp>
       <p:sp>
         <p:nvSpPr>
-          <p:cNvPr id="3" name="슬라이드 노트 개체 틀 2">
-            <a:extLst>
-              <a:ext uri="{FF2B5EF4-FFF2-40B4-BE49-F238E27FC236}">
-                <a16:creationId xmlns:a16="http://schemas.microsoft.com/office/drawing/2014/main" id="{D3DF3289-D67B-8DA5-0EA3-BF0A4C66B330}"/>
-              </a:ext>
-            </a:extLst>
-          </p:cNvPr>
+          <p:cNvPr id="3" name="슬라이드 노트 개체 틀 2"/>
           <p:cNvSpPr>
             <a:spLocks noGrp="1"/>
           </p:cNvSpPr>
@@ -3080,13 +3224,7 @@
       </p:sp>
       <p:sp>
         <p:nvSpPr>
-          <p:cNvPr id="4" name="슬라이드 번호 개체 틀 3">
-            <a:extLst>
-              <a:ext uri="{FF2B5EF4-FFF2-40B4-BE49-F238E27FC236}">
-                <a16:creationId xmlns:a16="http://schemas.microsoft.com/office/drawing/2014/main" id="{6DBBADFD-1CFC-66A7-C767-2955394AD575}"/>
-              </a:ext>
-            </a:extLst>
-          </p:cNvPr>
+          <p:cNvPr id="4" name="슬라이드 번호 개체 틀 3"/>
           <p:cNvSpPr>
             <a:spLocks noGrp="1"/>
           </p:cNvSpPr>
@@ -3101,7 +3239,7 @@
           <a:p>
             <a:fld id="{C09E5BFC-1559-42F1-8940-AB342D56BF02}" type="slidenum">
               <a:rPr lang="ko-KR" altLang="en-US" smtClean="0"/>
-              <a:t>40</a:t>
+              <a:t>38</a:t>
             </a:fld>
             <a:endParaRPr lang="ko-KR" altLang="en-US"/>
           </a:p>
@@ -3110,7 +3248,7 @@
     </p:spTree>
     <p:extLst>
       <p:ext uri="{BB962C8B-B14F-4D97-AF65-F5344CB8AC3E}">
-        <p14:creationId xmlns:p14="http://schemas.microsoft.com/office/powerpoint/2010/main" val="3526736062"/>
+        <p14:creationId xmlns:p14="http://schemas.microsoft.com/office/powerpoint/2010/main" val="4006687064"/>
       </p:ext>
     </p:extLst>
   </p:cSld>
@@ -3185,7 +3323,7 @@
           <a:p>
             <a:fld id="{C09E5BFC-1559-42F1-8940-AB342D56BF02}" type="slidenum">
               <a:rPr lang="ko-KR" altLang="en-US" smtClean="0"/>
-              <a:t>41</a:t>
+              <a:t>39</a:t>
             </a:fld>
             <a:endParaRPr lang="ko-KR" altLang="en-US"/>
           </a:p>
@@ -3194,7 +3332,7 @@
     </p:spTree>
     <p:extLst>
       <p:ext uri="{BB962C8B-B14F-4D97-AF65-F5344CB8AC3E}">
-        <p14:creationId xmlns:p14="http://schemas.microsoft.com/office/powerpoint/2010/main" val="857427129"/>
+        <p14:creationId xmlns:p14="http://schemas.microsoft.com/office/powerpoint/2010/main" val="3534195266"/>
       </p:ext>
     </p:extLst>
   </p:cSld>
@@ -3205,6 +3343,114 @@
 </file>
 
 <file path=ppt/notesSlides/notesSlide26.xml><?xml version="1.0" encoding="utf-8"?>
+<p:notes xmlns:a="http://schemas.openxmlformats.org/drawingml/2006/main" xmlns:r="http://schemas.openxmlformats.org/officeDocument/2006/relationships" xmlns:p="http://schemas.openxmlformats.org/presentationml/2006/main">
+  <p:cSld>
+    <p:spTree>
+      <p:nvGrpSpPr>
+        <p:cNvPr id="1" name="">
+          <a:extLst>
+            <a:ext uri="{FF2B5EF4-FFF2-40B4-BE49-F238E27FC236}">
+              <a16:creationId xmlns:a16="http://schemas.microsoft.com/office/drawing/2014/main" id="{FDCBA2A4-A00B-C97A-474C-37C4EBB69D6D}"/>
+            </a:ext>
+          </a:extLst>
+        </p:cNvPr>
+        <p:cNvGrpSpPr/>
+        <p:nvPr/>
+      </p:nvGrpSpPr>
+      <p:grpSpPr>
+        <a:xfrm>
+          <a:off x="0" y="0"/>
+          <a:ext cx="0" cy="0"/>
+          <a:chOff x="0" y="0"/>
+          <a:chExt cx="0" cy="0"/>
+        </a:xfrm>
+      </p:grpSpPr>
+      <p:sp>
+        <p:nvSpPr>
+          <p:cNvPr id="2" name="슬라이드 이미지 개체 틀 1">
+            <a:extLst>
+              <a:ext uri="{FF2B5EF4-FFF2-40B4-BE49-F238E27FC236}">
+                <a16:creationId xmlns:a16="http://schemas.microsoft.com/office/drawing/2014/main" id="{0E8E5E2B-39C8-549D-7B14-FEB181BE34B1}"/>
+              </a:ext>
+            </a:extLst>
+          </p:cNvPr>
+          <p:cNvSpPr>
+            <a:spLocks noGrp="1" noRot="1" noChangeAspect="1"/>
+          </p:cNvSpPr>
+          <p:nvPr>
+            <p:ph type="sldImg"/>
+          </p:nvPr>
+        </p:nvSpPr>
+        <p:spPr/>
+      </p:sp>
+      <p:sp>
+        <p:nvSpPr>
+          <p:cNvPr id="3" name="슬라이드 노트 개체 틀 2">
+            <a:extLst>
+              <a:ext uri="{FF2B5EF4-FFF2-40B4-BE49-F238E27FC236}">
+                <a16:creationId xmlns:a16="http://schemas.microsoft.com/office/drawing/2014/main" id="{D3DF3289-D67B-8DA5-0EA3-BF0A4C66B330}"/>
+              </a:ext>
+            </a:extLst>
+          </p:cNvPr>
+          <p:cNvSpPr>
+            <a:spLocks noGrp="1"/>
+          </p:cNvSpPr>
+          <p:nvPr>
+            <p:ph type="body" idx="1"/>
+          </p:nvPr>
+        </p:nvSpPr>
+        <p:spPr/>
+        <p:txBody>
+          <a:bodyPr/>
+          <a:lstStyle/>
+          <a:p>
+            <a:endParaRPr lang="ko-KR" altLang="en-US" dirty="0"/>
+          </a:p>
+        </p:txBody>
+      </p:sp>
+      <p:sp>
+        <p:nvSpPr>
+          <p:cNvPr id="4" name="슬라이드 번호 개체 틀 3">
+            <a:extLst>
+              <a:ext uri="{FF2B5EF4-FFF2-40B4-BE49-F238E27FC236}">
+                <a16:creationId xmlns:a16="http://schemas.microsoft.com/office/drawing/2014/main" id="{6DBBADFD-1CFC-66A7-C767-2955394AD575}"/>
+              </a:ext>
+            </a:extLst>
+          </p:cNvPr>
+          <p:cNvSpPr>
+            <a:spLocks noGrp="1"/>
+          </p:cNvSpPr>
+          <p:nvPr>
+            <p:ph type="sldNum" sz="quarter" idx="5"/>
+          </p:nvPr>
+        </p:nvSpPr>
+        <p:spPr/>
+        <p:txBody>
+          <a:bodyPr/>
+          <a:lstStyle/>
+          <a:p>
+            <a:fld id="{C09E5BFC-1559-42F1-8940-AB342D56BF02}" type="slidenum">
+              <a:rPr lang="ko-KR" altLang="en-US" smtClean="0"/>
+              <a:t>40</a:t>
+            </a:fld>
+            <a:endParaRPr lang="ko-KR" altLang="en-US"/>
+          </a:p>
+        </p:txBody>
+      </p:sp>
+    </p:spTree>
+    <p:extLst>
+      <p:ext uri="{BB962C8B-B14F-4D97-AF65-F5344CB8AC3E}">
+        <p14:creationId xmlns:p14="http://schemas.microsoft.com/office/powerpoint/2010/main" val="3526736062"/>
+      </p:ext>
+    </p:extLst>
+  </p:cSld>
+  <p:clrMapOvr>
+    <a:masterClrMapping/>
+  </p:clrMapOvr>
+</p:notes>
+</file>
+
+<file path=ppt/notesSlides/notesSlide27.xml><?xml version="1.0" encoding="utf-8"?>
 <p:notes xmlns:a="http://schemas.openxmlformats.org/drawingml/2006/main" xmlns:r="http://schemas.openxmlformats.org/officeDocument/2006/relationships" xmlns:p="http://schemas.openxmlformats.org/presentationml/2006/main">
   <p:cSld>
     <p:spTree>
@@ -3269,7 +3515,7 @@
           <a:p>
             <a:fld id="{C09E5BFC-1559-42F1-8940-AB342D56BF02}" type="slidenum">
               <a:rPr lang="ko-KR" altLang="en-US" smtClean="0"/>
-              <a:t>42</a:t>
+              <a:t>41</a:t>
             </a:fld>
             <a:endParaRPr lang="ko-KR" altLang="en-US"/>
           </a:p>
@@ -3278,115 +3524,7 @@
     </p:spTree>
     <p:extLst>
       <p:ext uri="{BB962C8B-B14F-4D97-AF65-F5344CB8AC3E}">
-        <p14:creationId xmlns:p14="http://schemas.microsoft.com/office/powerpoint/2010/main" val="1460148923"/>
-      </p:ext>
-    </p:extLst>
-  </p:cSld>
-  <p:clrMapOvr>
-    <a:masterClrMapping/>
-  </p:clrMapOvr>
-</p:notes>
-</file>
-
-<file path=ppt/notesSlides/notesSlide27.xml><?xml version="1.0" encoding="utf-8"?>
-<p:notes xmlns:a="http://schemas.openxmlformats.org/drawingml/2006/main" xmlns:r="http://schemas.openxmlformats.org/officeDocument/2006/relationships" xmlns:p="http://schemas.openxmlformats.org/presentationml/2006/main">
-  <p:cSld>
-    <p:spTree>
-      <p:nvGrpSpPr>
-        <p:cNvPr id="1" name="">
-          <a:extLst>
-            <a:ext uri="{FF2B5EF4-FFF2-40B4-BE49-F238E27FC236}">
-              <a16:creationId xmlns:a16="http://schemas.microsoft.com/office/drawing/2014/main" id="{36B69C11-CAC9-3C33-E0A1-36FE004559FD}"/>
-            </a:ext>
-          </a:extLst>
-        </p:cNvPr>
-        <p:cNvGrpSpPr/>
-        <p:nvPr/>
-      </p:nvGrpSpPr>
-      <p:grpSpPr>
-        <a:xfrm>
-          <a:off x="0" y="0"/>
-          <a:ext cx="0" cy="0"/>
-          <a:chOff x="0" y="0"/>
-          <a:chExt cx="0" cy="0"/>
-        </a:xfrm>
-      </p:grpSpPr>
-      <p:sp>
-        <p:nvSpPr>
-          <p:cNvPr id="2" name="슬라이드 이미지 개체 틀 1">
-            <a:extLst>
-              <a:ext uri="{FF2B5EF4-FFF2-40B4-BE49-F238E27FC236}">
-                <a16:creationId xmlns:a16="http://schemas.microsoft.com/office/drawing/2014/main" id="{796D01AF-0616-EB53-88B2-C5E2D6DF4002}"/>
-              </a:ext>
-            </a:extLst>
-          </p:cNvPr>
-          <p:cNvSpPr>
-            <a:spLocks noGrp="1" noRot="1" noChangeAspect="1"/>
-          </p:cNvSpPr>
-          <p:nvPr>
-            <p:ph type="sldImg"/>
-          </p:nvPr>
-        </p:nvSpPr>
-        <p:spPr/>
-      </p:sp>
-      <p:sp>
-        <p:nvSpPr>
-          <p:cNvPr id="3" name="슬라이드 노트 개체 틀 2">
-            <a:extLst>
-              <a:ext uri="{FF2B5EF4-FFF2-40B4-BE49-F238E27FC236}">
-                <a16:creationId xmlns:a16="http://schemas.microsoft.com/office/drawing/2014/main" id="{ABBEF96C-B3E7-C6FC-1235-DE5F00DF4EC9}"/>
-              </a:ext>
-            </a:extLst>
-          </p:cNvPr>
-          <p:cNvSpPr>
-            <a:spLocks noGrp="1"/>
-          </p:cNvSpPr>
-          <p:nvPr>
-            <p:ph type="body" idx="1"/>
-          </p:nvPr>
-        </p:nvSpPr>
-        <p:spPr/>
-        <p:txBody>
-          <a:bodyPr/>
-          <a:lstStyle/>
-          <a:p>
-            <a:endParaRPr lang="ko-KR" altLang="en-US" dirty="0"/>
-          </a:p>
-        </p:txBody>
-      </p:sp>
-      <p:sp>
-        <p:nvSpPr>
-          <p:cNvPr id="4" name="슬라이드 번호 개체 틀 3">
-            <a:extLst>
-              <a:ext uri="{FF2B5EF4-FFF2-40B4-BE49-F238E27FC236}">
-                <a16:creationId xmlns:a16="http://schemas.microsoft.com/office/drawing/2014/main" id="{B0D975D5-6BB0-E84C-AACA-E801E1F8607A}"/>
-              </a:ext>
-            </a:extLst>
-          </p:cNvPr>
-          <p:cNvSpPr>
-            <a:spLocks noGrp="1"/>
-          </p:cNvSpPr>
-          <p:nvPr>
-            <p:ph type="sldNum" sz="quarter" idx="5"/>
-          </p:nvPr>
-        </p:nvSpPr>
-        <p:spPr/>
-        <p:txBody>
-          <a:bodyPr/>
-          <a:lstStyle/>
-          <a:p>
-            <a:fld id="{C09E5BFC-1559-42F1-8940-AB342D56BF02}" type="slidenum">
-              <a:rPr lang="ko-KR" altLang="en-US" smtClean="0"/>
-              <a:t>43</a:t>
-            </a:fld>
-            <a:endParaRPr lang="ko-KR" altLang="en-US"/>
-          </a:p>
-        </p:txBody>
-      </p:sp>
-    </p:spTree>
-    <p:extLst>
-      <p:ext uri="{BB962C8B-B14F-4D97-AF65-F5344CB8AC3E}">
-        <p14:creationId xmlns:p14="http://schemas.microsoft.com/office/powerpoint/2010/main" val="246511245"/>
+        <p14:creationId xmlns:p14="http://schemas.microsoft.com/office/powerpoint/2010/main" val="857427129"/>
       </p:ext>
     </p:extLst>
   </p:cSld>
@@ -3461,7 +3599,7 @@
           <a:p>
             <a:fld id="{C09E5BFC-1559-42F1-8940-AB342D56BF02}" type="slidenum">
               <a:rPr lang="ko-KR" altLang="en-US" smtClean="0"/>
-              <a:t>68</a:t>
+              <a:t>42</a:t>
             </a:fld>
             <a:endParaRPr lang="ko-KR" altLang="en-US"/>
           </a:p>
@@ -3470,7 +3608,7 @@
     </p:spTree>
     <p:extLst>
       <p:ext uri="{BB962C8B-B14F-4D97-AF65-F5344CB8AC3E}">
-        <p14:creationId xmlns:p14="http://schemas.microsoft.com/office/powerpoint/2010/main" val="2540806148"/>
+        <p14:creationId xmlns:p14="http://schemas.microsoft.com/office/powerpoint/2010/main" val="1460148923"/>
       </p:ext>
     </p:extLst>
   </p:cSld>
@@ -3485,7 +3623,13 @@
   <p:cSld>
     <p:spTree>
       <p:nvGrpSpPr>
-        <p:cNvPr id="1" name=""/>
+        <p:cNvPr id="1" name="">
+          <a:extLst>
+            <a:ext uri="{FF2B5EF4-FFF2-40B4-BE49-F238E27FC236}">
+              <a16:creationId xmlns:a16="http://schemas.microsoft.com/office/drawing/2014/main" id="{36B69C11-CAC9-3C33-E0A1-36FE004559FD}"/>
+            </a:ext>
+          </a:extLst>
+        </p:cNvPr>
         <p:cNvGrpSpPr/>
         <p:nvPr/>
       </p:nvGrpSpPr>
@@ -3499,7 +3643,13 @@
       </p:grpSpPr>
       <p:sp>
         <p:nvSpPr>
-          <p:cNvPr id="2" name="슬라이드 이미지 개체 틀 1"/>
+          <p:cNvPr id="2" name="슬라이드 이미지 개체 틀 1">
+            <a:extLst>
+              <a:ext uri="{FF2B5EF4-FFF2-40B4-BE49-F238E27FC236}">
+                <a16:creationId xmlns:a16="http://schemas.microsoft.com/office/drawing/2014/main" id="{796D01AF-0616-EB53-88B2-C5E2D6DF4002}"/>
+              </a:ext>
+            </a:extLst>
+          </p:cNvPr>
           <p:cNvSpPr>
             <a:spLocks noGrp="1" noRot="1" noChangeAspect="1"/>
           </p:cNvSpPr>
@@ -3511,7 +3661,13 @@
       </p:sp>
       <p:sp>
         <p:nvSpPr>
-          <p:cNvPr id="3" name="슬라이드 노트 개체 틀 2"/>
+          <p:cNvPr id="3" name="슬라이드 노트 개체 틀 2">
+            <a:extLst>
+              <a:ext uri="{FF2B5EF4-FFF2-40B4-BE49-F238E27FC236}">
+                <a16:creationId xmlns:a16="http://schemas.microsoft.com/office/drawing/2014/main" id="{ABBEF96C-B3E7-C6FC-1235-DE5F00DF4EC9}"/>
+              </a:ext>
+            </a:extLst>
+          </p:cNvPr>
           <p:cNvSpPr>
             <a:spLocks noGrp="1"/>
           </p:cNvSpPr>
@@ -3524,31 +3680,19 @@
           <a:bodyPr/>
           <a:lstStyle/>
           <a:p>
-            <a:r>
-              <a:rPr lang="ko-KR" altLang="en-US"/>
-              <a:t>응용 실습은 수업 외적인 내용이 포함되고 직접 검색하는 것을 활용해서 문제를 해결하는 실습</a:t>
-            </a:r>
-            <a:endParaRPr lang="en-US" altLang="ko-KR"/>
-          </a:p>
-          <a:p>
-            <a:endParaRPr lang="en-US" altLang="ko-KR"/>
-          </a:p>
-          <a:p>
-            <a:r>
-              <a:rPr lang="ko-KR" altLang="en-US"/>
-              <a:t>문자열 숫자 변환</a:t>
-            </a:r>
-            <a:r>
-              <a:rPr lang="en-US" altLang="ko-KR"/>
-              <a:t>, </a:t>
-            </a:r>
-            <a:endParaRPr lang="ko-KR" altLang="en-US"/>
-          </a:p>
-        </p:txBody>
-      </p:sp>
-      <p:sp>
-        <p:nvSpPr>
-          <p:cNvPr id="4" name="슬라이드 번호 개체 틀 3"/>
+            <a:endParaRPr lang="ko-KR" altLang="en-US" dirty="0"/>
+          </a:p>
+        </p:txBody>
+      </p:sp>
+      <p:sp>
+        <p:nvSpPr>
+          <p:cNvPr id="4" name="슬라이드 번호 개체 틀 3">
+            <a:extLst>
+              <a:ext uri="{FF2B5EF4-FFF2-40B4-BE49-F238E27FC236}">
+                <a16:creationId xmlns:a16="http://schemas.microsoft.com/office/drawing/2014/main" id="{B0D975D5-6BB0-E84C-AACA-E801E1F8607A}"/>
+              </a:ext>
+            </a:extLst>
+          </p:cNvPr>
           <p:cNvSpPr>
             <a:spLocks noGrp="1"/>
           </p:cNvSpPr>
@@ -3563,7 +3707,7 @@
           <a:p>
             <a:fld id="{C09E5BFC-1559-42F1-8940-AB342D56BF02}" type="slidenum">
               <a:rPr lang="ko-KR" altLang="en-US" smtClean="0"/>
-              <a:t>73</a:t>
+              <a:t>43</a:t>
             </a:fld>
             <a:endParaRPr lang="ko-KR" altLang="en-US"/>
           </a:p>
@@ -3572,7 +3716,7 @@
     </p:spTree>
     <p:extLst>
       <p:ext uri="{BB962C8B-B14F-4D97-AF65-F5344CB8AC3E}">
-        <p14:creationId xmlns:p14="http://schemas.microsoft.com/office/powerpoint/2010/main" val="2895223253"/>
+        <p14:creationId xmlns:p14="http://schemas.microsoft.com/office/powerpoint/2010/main" val="246511245"/>
       </p:ext>
     </p:extLst>
   </p:cSld>
@@ -3743,6 +3887,192 @@
     <p:extLst>
       <p:ext uri="{BB962C8B-B14F-4D97-AF65-F5344CB8AC3E}">
         <p14:creationId xmlns:p14="http://schemas.microsoft.com/office/powerpoint/2010/main" val="4204024633"/>
+      </p:ext>
+    </p:extLst>
+  </p:cSld>
+  <p:clrMapOvr>
+    <a:masterClrMapping/>
+  </p:clrMapOvr>
+</p:notes>
+</file>
+
+<file path=ppt/notesSlides/notesSlide30.xml><?xml version="1.0" encoding="utf-8"?>
+<p:notes xmlns:a="http://schemas.openxmlformats.org/drawingml/2006/main" xmlns:r="http://schemas.openxmlformats.org/officeDocument/2006/relationships" xmlns:p="http://schemas.openxmlformats.org/presentationml/2006/main">
+  <p:cSld>
+    <p:spTree>
+      <p:nvGrpSpPr>
+        <p:cNvPr id="1" name=""/>
+        <p:cNvGrpSpPr/>
+        <p:nvPr/>
+      </p:nvGrpSpPr>
+      <p:grpSpPr>
+        <a:xfrm>
+          <a:off x="0" y="0"/>
+          <a:ext cx="0" cy="0"/>
+          <a:chOff x="0" y="0"/>
+          <a:chExt cx="0" cy="0"/>
+        </a:xfrm>
+      </p:grpSpPr>
+      <p:sp>
+        <p:nvSpPr>
+          <p:cNvPr id="2" name="슬라이드 이미지 개체 틀 1"/>
+          <p:cNvSpPr>
+            <a:spLocks noGrp="1" noRot="1" noChangeAspect="1"/>
+          </p:cNvSpPr>
+          <p:nvPr>
+            <p:ph type="sldImg"/>
+          </p:nvPr>
+        </p:nvSpPr>
+        <p:spPr/>
+      </p:sp>
+      <p:sp>
+        <p:nvSpPr>
+          <p:cNvPr id="3" name="슬라이드 노트 개체 틀 2"/>
+          <p:cNvSpPr>
+            <a:spLocks noGrp="1"/>
+          </p:cNvSpPr>
+          <p:nvPr>
+            <p:ph type="body" idx="1"/>
+          </p:nvPr>
+        </p:nvSpPr>
+        <p:spPr/>
+        <p:txBody>
+          <a:bodyPr/>
+          <a:lstStyle/>
+          <a:p>
+            <a:endParaRPr lang="ko-KR" altLang="en-US" dirty="0"/>
+          </a:p>
+        </p:txBody>
+      </p:sp>
+      <p:sp>
+        <p:nvSpPr>
+          <p:cNvPr id="4" name="슬라이드 번호 개체 틀 3"/>
+          <p:cNvSpPr>
+            <a:spLocks noGrp="1"/>
+          </p:cNvSpPr>
+          <p:nvPr>
+            <p:ph type="sldNum" sz="quarter" idx="5"/>
+          </p:nvPr>
+        </p:nvSpPr>
+        <p:spPr/>
+        <p:txBody>
+          <a:bodyPr/>
+          <a:lstStyle/>
+          <a:p>
+            <a:fld id="{C09E5BFC-1559-42F1-8940-AB342D56BF02}" type="slidenum">
+              <a:rPr lang="ko-KR" altLang="en-US" smtClean="0"/>
+              <a:t>68</a:t>
+            </a:fld>
+            <a:endParaRPr lang="ko-KR" altLang="en-US"/>
+          </a:p>
+        </p:txBody>
+      </p:sp>
+    </p:spTree>
+    <p:extLst>
+      <p:ext uri="{BB962C8B-B14F-4D97-AF65-F5344CB8AC3E}">
+        <p14:creationId xmlns:p14="http://schemas.microsoft.com/office/powerpoint/2010/main" val="2540806148"/>
+      </p:ext>
+    </p:extLst>
+  </p:cSld>
+  <p:clrMapOvr>
+    <a:masterClrMapping/>
+  </p:clrMapOvr>
+</p:notes>
+</file>
+
+<file path=ppt/notesSlides/notesSlide31.xml><?xml version="1.0" encoding="utf-8"?>
+<p:notes xmlns:a="http://schemas.openxmlformats.org/drawingml/2006/main" xmlns:r="http://schemas.openxmlformats.org/officeDocument/2006/relationships" xmlns:p="http://schemas.openxmlformats.org/presentationml/2006/main">
+  <p:cSld>
+    <p:spTree>
+      <p:nvGrpSpPr>
+        <p:cNvPr id="1" name=""/>
+        <p:cNvGrpSpPr/>
+        <p:nvPr/>
+      </p:nvGrpSpPr>
+      <p:grpSpPr>
+        <a:xfrm>
+          <a:off x="0" y="0"/>
+          <a:ext cx="0" cy="0"/>
+          <a:chOff x="0" y="0"/>
+          <a:chExt cx="0" cy="0"/>
+        </a:xfrm>
+      </p:grpSpPr>
+      <p:sp>
+        <p:nvSpPr>
+          <p:cNvPr id="2" name="슬라이드 이미지 개체 틀 1"/>
+          <p:cNvSpPr>
+            <a:spLocks noGrp="1" noRot="1" noChangeAspect="1"/>
+          </p:cNvSpPr>
+          <p:nvPr>
+            <p:ph type="sldImg"/>
+          </p:nvPr>
+        </p:nvSpPr>
+        <p:spPr/>
+      </p:sp>
+      <p:sp>
+        <p:nvSpPr>
+          <p:cNvPr id="3" name="슬라이드 노트 개체 틀 2"/>
+          <p:cNvSpPr>
+            <a:spLocks noGrp="1"/>
+          </p:cNvSpPr>
+          <p:nvPr>
+            <p:ph type="body" idx="1"/>
+          </p:nvPr>
+        </p:nvSpPr>
+        <p:spPr/>
+        <p:txBody>
+          <a:bodyPr/>
+          <a:lstStyle/>
+          <a:p>
+            <a:r>
+              <a:rPr lang="ko-KR" altLang="en-US"/>
+              <a:t>응용 실습은 수업 외적인 내용이 포함되고 직접 검색하는 것을 활용해서 문제를 해결하는 실습</a:t>
+            </a:r>
+            <a:endParaRPr lang="en-US" altLang="ko-KR"/>
+          </a:p>
+          <a:p>
+            <a:endParaRPr lang="en-US" altLang="ko-KR"/>
+          </a:p>
+          <a:p>
+            <a:r>
+              <a:rPr lang="ko-KR" altLang="en-US"/>
+              <a:t>문자열 숫자 변환</a:t>
+            </a:r>
+            <a:r>
+              <a:rPr lang="en-US" altLang="ko-KR"/>
+              <a:t>, </a:t>
+            </a:r>
+            <a:endParaRPr lang="ko-KR" altLang="en-US"/>
+          </a:p>
+        </p:txBody>
+      </p:sp>
+      <p:sp>
+        <p:nvSpPr>
+          <p:cNvPr id="4" name="슬라이드 번호 개체 틀 3"/>
+          <p:cNvSpPr>
+            <a:spLocks noGrp="1"/>
+          </p:cNvSpPr>
+          <p:nvPr>
+            <p:ph type="sldNum" sz="quarter" idx="5"/>
+          </p:nvPr>
+        </p:nvSpPr>
+        <p:spPr/>
+        <p:txBody>
+          <a:bodyPr/>
+          <a:lstStyle/>
+          <a:p>
+            <a:fld id="{C09E5BFC-1559-42F1-8940-AB342D56BF02}" type="slidenum">
+              <a:rPr lang="ko-KR" altLang="en-US" smtClean="0"/>
+              <a:t>73</a:t>
+            </a:fld>
+            <a:endParaRPr lang="ko-KR" altLang="en-US"/>
+          </a:p>
+        </p:txBody>
+      </p:sp>
+    </p:spTree>
+    <p:extLst>
+      <p:ext uri="{BB962C8B-B14F-4D97-AF65-F5344CB8AC3E}">
+        <p14:creationId xmlns:p14="http://schemas.microsoft.com/office/powerpoint/2010/main" val="2895223253"/>
       </p:ext>
     </p:extLst>
   </p:cSld>
@@ -4359,6 +4689,139 @@
           <a:bodyPr/>
           <a:lstStyle/>
           <a:p>
+            <a:r>
+              <a:rPr lang="en-US" altLang="ko-KR" dirty="0"/>
+              <a:t>“B80OlI1” </a:t>
+            </a:r>
+            <a:r>
+              <a:rPr lang="ko-KR" altLang="en-US" dirty="0"/>
+              <a:t>이런 문자들을 쉽게 구분할 수 있어야 한다</a:t>
+            </a:r>
+            <a:r>
+              <a:rPr lang="en-US" altLang="ko-KR" dirty="0"/>
+              <a:t>.</a:t>
+            </a:r>
+          </a:p>
+          <a:p>
+            <a:r>
+              <a:rPr lang="ko-KR" altLang="en-US" dirty="0"/>
+              <a:t>이런 문자들이 확실히 구분되도록 만들어진 폰트를 사용해야 코딩 오류를 줄일 수 있다</a:t>
+            </a:r>
+            <a:r>
+              <a:rPr lang="en-US" altLang="ko-KR" dirty="0"/>
+              <a:t>.</a:t>
+            </a:r>
+          </a:p>
+          <a:p>
+            <a:endParaRPr lang="en-US" altLang="ko-KR" dirty="0"/>
+          </a:p>
+          <a:p>
+            <a:r>
+              <a:rPr lang="ko-KR" altLang="en-US" dirty="0"/>
+              <a:t>모두 </a:t>
+            </a:r>
+            <a:r>
+              <a:rPr lang="ko-KR" altLang="en-US" b="1" dirty="0"/>
+              <a:t>문자 폭이 일정한 </a:t>
+            </a:r>
+            <a:r>
+              <a:rPr lang="en-US" altLang="ko-KR" b="1" dirty="0"/>
+              <a:t>Mono </a:t>
+            </a:r>
+            <a:r>
+              <a:rPr lang="ko-KR" altLang="en-US" b="1" dirty="0"/>
+              <a:t>타입 폰트</a:t>
+            </a:r>
+            <a:endParaRPr lang="en-US" altLang="ko-KR" b="1" dirty="0"/>
+          </a:p>
+          <a:p>
+            <a:pPr>
+              <a:buNone/>
+            </a:pPr>
+            <a:r>
+              <a:rPr lang="ko-KR" altLang="en-US" dirty="0"/>
+              <a:t>📌 </a:t>
+            </a:r>
+            <a:r>
+              <a:rPr lang="ko-KR" altLang="en-US" b="1" dirty="0" err="1"/>
+              <a:t>모노스페이스</a:t>
+            </a:r>
+            <a:r>
+              <a:rPr lang="en-US" altLang="ko-KR" b="1" dirty="0"/>
+              <a:t>(Monospace)</a:t>
+            </a:r>
+            <a:r>
+              <a:rPr lang="ko-KR" altLang="en-US" dirty="0"/>
+              <a:t> </a:t>
+            </a:r>
+            <a:r>
+              <a:rPr lang="ko-KR" altLang="en-US" dirty="0" err="1"/>
+              <a:t>폰트란</a:t>
+            </a:r>
+            <a:r>
+              <a:rPr lang="en-US" altLang="ko-KR" dirty="0"/>
+              <a:t>?</a:t>
+            </a:r>
+          </a:p>
+          <a:p>
+            <a:r>
+              <a:rPr lang="ko-KR" altLang="en-US" dirty="0"/>
+              <a:t>각 문자가 같은 너비를 가지는 글꼴입니다</a:t>
+            </a:r>
+            <a:r>
+              <a:rPr lang="en-US" altLang="ko-KR" dirty="0"/>
+              <a:t>.</a:t>
+            </a:r>
+            <a:br>
+              <a:rPr lang="en-US" altLang="ko-KR" dirty="0"/>
+            </a:br>
+            <a:r>
+              <a:rPr lang="en-US" altLang="ko-KR" dirty="0"/>
+              <a:t>→ </a:t>
+            </a:r>
+            <a:r>
+              <a:rPr lang="ko-KR" altLang="en-US" dirty="0"/>
+              <a:t>코드의 줄 정렬</a:t>
+            </a:r>
+            <a:r>
+              <a:rPr lang="en-US" altLang="ko-KR" dirty="0"/>
+              <a:t>, </a:t>
+            </a:r>
+            <a:r>
+              <a:rPr lang="ko-KR" altLang="en-US" dirty="0"/>
+              <a:t>변수 명 구분 등이 더 정확하고 예쁩니다</a:t>
+            </a:r>
+            <a:r>
+              <a:rPr lang="en-US" altLang="ko-KR" dirty="0"/>
+              <a:t>.</a:t>
+            </a:r>
+          </a:p>
+          <a:p>
+            <a:endParaRPr lang="en-US" altLang="ko-KR" dirty="0"/>
+          </a:p>
+          <a:p>
+            <a:r>
+              <a:rPr lang="ko-KR" altLang="en-US" dirty="0"/>
+              <a:t>샘플코드를 보면</a:t>
+            </a:r>
+            <a:r>
+              <a:rPr lang="en-US" altLang="ko-KR" dirty="0"/>
+              <a:t>, </a:t>
+            </a:r>
+            <a:r>
+              <a:rPr lang="ko-KR" altLang="en-US" dirty="0"/>
+              <a:t>어떤 폰트를 썼을 때 글자들이 구분되는지 확인할 수 있음</a:t>
+            </a:r>
+            <a:r>
+              <a:rPr lang="en-US" altLang="ko-KR" dirty="0"/>
+              <a:t>!</a:t>
+            </a:r>
+            <a:br>
+              <a:rPr lang="en-US" altLang="ko-KR" dirty="0"/>
+            </a:br>
+            <a:br>
+              <a:rPr lang="en-US" altLang="ko-KR" dirty="0"/>
+            </a:br>
             <a:endParaRPr lang="ko-KR" altLang="en-US" dirty="0"/>
           </a:p>
         </p:txBody>
@@ -4546,7 +5009,7 @@
           <a:p>
             <a:fld id="{442BEE3F-2E9A-4FD8-8B8A-8619F3E161C0}" type="datetime1">
               <a:rPr lang="ko-KR" altLang="en-US" smtClean="0"/>
-              <a:t>12-22(Sun)</a:t>
+              <a:t>2025-04-10</a:t>
             </a:fld>
             <a:endParaRPr lang="ko-KR" altLang="en-US"/>
           </a:p>
@@ -4732,7 +5195,7 @@
           <a:p>
             <a:fld id="{2EAE422B-0E68-47B5-84BB-CA2BDA8EE46C}" type="datetime1">
               <a:rPr lang="ko-KR" altLang="en-US" smtClean="0"/>
-              <a:t>12-22(Sun)</a:t>
+              <a:t>2025-04-10</a:t>
             </a:fld>
             <a:endParaRPr lang="ko-KR" altLang="en-US"/>
           </a:p>
@@ -4940,7 +5403,7 @@
           <a:p>
             <a:fld id="{AF7C623F-179B-417F-99B6-50F6DF228D4B}" type="datetime1">
               <a:rPr lang="ko-KR" altLang="en-US" smtClean="0"/>
-              <a:t>12-22(Sun)</a:t>
+              <a:t>2025-04-10</a:t>
             </a:fld>
             <a:endParaRPr lang="ko-KR" altLang="en-US"/>
           </a:p>
@@ -5169,7 +5632,7 @@
           <a:p>
             <a:fld id="{0F78D9C4-20C1-4B15-A116-16DC77AD9A1E}" type="datetime1">
               <a:rPr lang="ko-KR" altLang="en-US" smtClean="0"/>
-              <a:t>12-22(Sun)</a:t>
+              <a:t>2025-04-10</a:t>
             </a:fld>
             <a:endParaRPr lang="ko-KR" altLang="en-US"/>
           </a:p>
@@ -5444,7 +5907,7 @@
           <a:p>
             <a:fld id="{C7F43723-C509-4DEA-8428-B50818F79709}" type="datetime1">
               <a:rPr lang="ko-KR" altLang="en-US" smtClean="0"/>
-              <a:t>12-22(Sun)</a:t>
+              <a:t>2025-04-10</a:t>
             </a:fld>
             <a:endParaRPr lang="ko-KR" altLang="en-US"/>
           </a:p>
@@ -5709,7 +6172,7 @@
           <a:p>
             <a:fld id="{5D2B7482-EE74-4DBD-97F4-D0DAC0C0E4E5}" type="datetime1">
               <a:rPr lang="ko-KR" altLang="en-US" smtClean="0"/>
-              <a:t>12-22(Sun)</a:t>
+              <a:t>2025-04-10</a:t>
             </a:fld>
             <a:endParaRPr lang="ko-KR" altLang="en-US"/>
           </a:p>
@@ -6122,7 +6585,7 @@
           <a:p>
             <a:fld id="{051A8C49-CED7-4A86-9B4A-621D7F62EE92}" type="datetime1">
               <a:rPr lang="ko-KR" altLang="en-US" smtClean="0"/>
-              <a:t>12-22(Sun)</a:t>
+              <a:t>2025-04-10</a:t>
             </a:fld>
             <a:endParaRPr lang="ko-KR" altLang="en-US"/>
           </a:p>
@@ -6269,7 +6732,7 @@
           <a:p>
             <a:fld id="{84082D76-7079-412D-848B-E1B9E7A6A286}" type="datetime1">
               <a:rPr lang="ko-KR" altLang="en-US" smtClean="0"/>
-              <a:t>12-22(Sun)</a:t>
+              <a:t>2025-04-10</a:t>
             </a:fld>
             <a:endParaRPr lang="ko-KR" altLang="en-US"/>
           </a:p>
@@ -6382,7 +6845,7 @@
           <a:p>
             <a:fld id="{10C5FEB5-5F88-4F49-9108-1795E314F09F}" type="datetime1">
               <a:rPr lang="ko-KR" altLang="en-US" smtClean="0"/>
-              <a:t>12-22(Sun)</a:t>
+              <a:t>2025-04-10</a:t>
             </a:fld>
             <a:endParaRPr lang="ko-KR" altLang="en-US"/>
           </a:p>
@@ -6693,7 +7156,7 @@
           <a:p>
             <a:fld id="{E37ABBEE-D8D4-48AD-9887-4DC578B8A684}" type="datetime1">
               <a:rPr lang="ko-KR" altLang="en-US" smtClean="0"/>
-              <a:t>12-22(Sun)</a:t>
+              <a:t>2025-04-10</a:t>
             </a:fld>
             <a:endParaRPr lang="ko-KR" altLang="en-US"/>
           </a:p>
@@ -6984,7 +7447,7 @@
           <a:p>
             <a:fld id="{A2D6A55C-F3DD-45DD-9D50-F8680410167D}" type="datetime1">
               <a:rPr lang="ko-KR" altLang="en-US" smtClean="0"/>
-              <a:t>12-22(Sun)</a:t>
+              <a:t>2025-04-10</a:t>
             </a:fld>
             <a:endParaRPr lang="ko-KR" altLang="en-US"/>
           </a:p>
@@ -7228,7 +7691,7 @@
             <a:fld id="{7F5E23C3-0E3D-4E4E-8486-D7FB4C073DC1}" type="datetime1">
               <a:rPr lang="ko-KR" altLang="en-US" smtClean="0"/>
               <a:pPr/>
-              <a:t>12-22(Sun)</a:t>
+              <a:t>2025-04-10</a:t>
             </a:fld>
             <a:endParaRPr lang="ko-KR" altLang="en-US" dirty="0"/>
           </a:p>
@@ -8088,7 +8551,7 @@
           <a:p>
             <a:fld id="{0F78D9C4-20C1-4B15-A116-16DC77AD9A1E}" type="datetime1">
               <a:rPr lang="ko-KR" altLang="en-US" smtClean="0"/>
-              <a:t>12-22(Sun)</a:t>
+              <a:t>2025-04-10</a:t>
             </a:fld>
             <a:endParaRPr lang="ko-KR" altLang="en-US"/>
           </a:p>
@@ -8316,7 +8779,7 @@
           <a:p>
             <a:fld id="{0F78D9C4-20C1-4B15-A116-16DC77AD9A1E}" type="datetime1">
               <a:rPr lang="ko-KR" altLang="en-US" smtClean="0"/>
-              <a:t>12-22(Sun)</a:t>
+              <a:t>2025-04-10</a:t>
             </a:fld>
             <a:endParaRPr lang="ko-KR" altLang="en-US"/>
           </a:p>
@@ -9259,7 +9722,7 @@
           <a:p>
             <a:fld id="{0F78D9C4-20C1-4B15-A116-16DC77AD9A1E}" type="datetime1">
               <a:rPr lang="ko-KR" altLang="en-US" smtClean="0"/>
-              <a:t>12-22(Sun)</a:t>
+              <a:t>2025-04-10</a:t>
             </a:fld>
             <a:endParaRPr lang="ko-KR" altLang="en-US"/>
           </a:p>
@@ -9537,8 +10000,8 @@
           <a:lstStyle/>
           <a:p>
             <a:r>
-              <a:rPr lang="ko-KR" altLang="en-US"/>
-              <a:t>변수 및 기본 자료 형</a:t>
+              <a:rPr lang="ko-KR" altLang="en-US" dirty="0"/>
+              <a:t>변수 및 기본 자료형</a:t>
             </a:r>
           </a:p>
         </p:txBody>
@@ -9985,7 +10448,7 @@
           <a:p>
             <a:fld id="{0F78D9C4-20C1-4B15-A116-16DC77AD9A1E}" type="datetime1">
               <a:rPr lang="ko-KR" altLang="en-US" smtClean="0"/>
-              <a:t>12-22(Sun)</a:t>
+              <a:t>2025-04-10</a:t>
             </a:fld>
             <a:endParaRPr lang="ko-KR" altLang="en-US"/>
           </a:p>
@@ -10137,7 +10600,7 @@
           <a:p>
             <a:fld id="{0F78D9C4-20C1-4B15-A116-16DC77AD9A1E}" type="datetime1">
               <a:rPr lang="ko-KR" altLang="en-US" smtClean="0"/>
-              <a:t>12-22(Sun)</a:t>
+              <a:t>2025-04-10</a:t>
             </a:fld>
             <a:endParaRPr lang="ko-KR" altLang="en-US"/>
           </a:p>
@@ -10187,7 +10650,7 @@
           <p:nvPr/>
         </p:nvPicPr>
         <p:blipFill>
-          <a:blip r:embed="rId2"/>
+          <a:blip r:embed="rId3"/>
           <a:stretch>
             <a:fillRect/>
           </a:stretch>
@@ -10312,7 +10775,7 @@
           <a:p>
             <a:fld id="{0F78D9C4-20C1-4B15-A116-16DC77AD9A1E}" type="datetime1">
               <a:rPr lang="ko-KR" altLang="en-US" smtClean="0"/>
-              <a:t>12-22(Sun)</a:t>
+              <a:t>2025-04-10</a:t>
             </a:fld>
             <a:endParaRPr lang="ko-KR" altLang="en-US"/>
           </a:p>
@@ -10480,7 +10943,7 @@
                   <a:srgbClr val="00B050"/>
                 </a:solidFill>
               </a:rPr>
-              <a:t>"^"</a:t>
+              <a:t>“^"</a:t>
             </a:r>
             <a:r>
               <a:rPr lang="ko-KR" altLang="en-US" dirty="0">
@@ -10746,7 +11209,7 @@
           <a:p>
             <a:fld id="{0F78D9C4-20C1-4B15-A116-16DC77AD9A1E}" type="datetime1">
               <a:rPr lang="ko-KR" altLang="en-US" smtClean="0"/>
-              <a:t>12-22(Sun)</a:t>
+              <a:t>2025-04-10</a:t>
             </a:fld>
             <a:endParaRPr lang="ko-KR" altLang="en-US"/>
           </a:p>
@@ -10868,7 +11331,7 @@
           <a:p>
             <a:fld id="{0F78D9C4-20C1-4B15-A116-16DC77AD9A1E}" type="datetime1">
               <a:rPr lang="ko-KR" altLang="en-US" smtClean="0"/>
-              <a:t>12-22(Sun)</a:t>
+              <a:t>2025-04-10</a:t>
             </a:fld>
             <a:endParaRPr lang="ko-KR" altLang="en-US"/>
           </a:p>
@@ -11117,7 +11580,7 @@
           <a:p>
             <a:fld id="{0F78D9C4-20C1-4B15-A116-16DC77AD9A1E}" type="datetime1">
               <a:rPr lang="ko-KR" altLang="en-US" smtClean="0"/>
-              <a:t>12-22(Sun)</a:t>
+              <a:t>2025-04-10</a:t>
             </a:fld>
             <a:endParaRPr lang="ko-KR" altLang="en-US"/>
           </a:p>
@@ -11624,7 +12087,7 @@
             <a:fld id="{0F78D9C4-20C1-4B15-A116-16DC77AD9A1E}" type="datetime1">
               <a:rPr lang="ko-KR" altLang="en-US" smtClean="0"/>
               <a:pPr/>
-              <a:t>12-22(Sun)</a:t>
+              <a:t>2025-04-10</a:t>
             </a:fld>
             <a:endParaRPr lang="ko-KR" altLang="en-US"/>
           </a:p>
@@ -11877,7 +12340,7 @@
           <a:p>
             <a:fld id="{2E2BEDFA-D8AA-4914-9440-7DF713C99FA9}" type="datetime1">
               <a:rPr lang="ko-KR" altLang="en-US" smtClean="0"/>
-              <a:t>12-22(Sun)</a:t>
+              <a:t>2025-04-10</a:t>
             </a:fld>
             <a:endParaRPr lang="ko-KR" altLang="en-US"/>
           </a:p>
@@ -12314,7 +12777,7 @@
           <a:p>
             <a:fld id="{0F78D9C4-20C1-4B15-A116-16DC77AD9A1E}" type="datetime1">
               <a:rPr lang="ko-KR" altLang="en-US" smtClean="0"/>
-              <a:t>12-22(Sun)</a:t>
+              <a:t>2025-04-10</a:t>
             </a:fld>
             <a:endParaRPr lang="ko-KR" altLang="en-US"/>
           </a:p>
@@ -12550,7 +13013,7 @@
           <a:p>
             <a:fld id="{0F78D9C4-20C1-4B15-A116-16DC77AD9A1E}" type="datetime1">
               <a:rPr lang="ko-KR" altLang="en-US" smtClean="0"/>
-              <a:t>12-22(Sun)</a:t>
+              <a:t>2025-04-10</a:t>
             </a:fld>
             <a:endParaRPr lang="ko-KR" altLang="en-US"/>
           </a:p>
@@ -13089,7 +13552,7 @@
           <a:p>
             <a:fld id="{0F78D9C4-20C1-4B15-A116-16DC77AD9A1E}" type="datetime1">
               <a:rPr lang="ko-KR" altLang="en-US" smtClean="0"/>
-              <a:t>12-22(Sun)</a:t>
+              <a:t>2025-04-10</a:t>
             </a:fld>
             <a:endParaRPr lang="ko-KR" altLang="en-US"/>
           </a:p>
@@ -13281,7 +13744,7 @@
           <a:p>
             <a:fld id="{0F78D9C4-20C1-4B15-A116-16DC77AD9A1E}" type="datetime1">
               <a:rPr lang="ko-KR" altLang="en-US" smtClean="0"/>
-              <a:t>12-22(Sun)</a:t>
+              <a:t>2025-04-10</a:t>
             </a:fld>
             <a:endParaRPr lang="ko-KR" altLang="en-US"/>
           </a:p>
@@ -13331,7 +13794,7 @@
           <p:nvPr/>
         </p:nvPicPr>
         <p:blipFill>
-          <a:blip r:embed="rId2"/>
+          <a:blip r:embed="rId3"/>
           <a:stretch>
             <a:fillRect/>
           </a:stretch>
@@ -13429,7 +13892,7 @@
       <p:sp>
         <p:nvSpPr>
           <p:cNvPr id="13" name="TextBox 12">
-            <a:hlinkClick r:id="rId3"/>
+            <a:hlinkClick r:id="rId4"/>
             <a:extLst>
               <a:ext uri="{FF2B5EF4-FFF2-40B4-BE49-F238E27FC236}">
                 <a16:creationId xmlns:a16="http://schemas.microsoft.com/office/drawing/2014/main" id="{5BF0DE72-CEFB-CB08-0424-31BD05D7D54E}"/>
@@ -13457,7 +13920,7 @@
           <a:p>
             <a:r>
               <a:rPr lang="ko-KR" altLang="en-US" dirty="0">
-                <a:hlinkClick r:id="rId3"/>
+                <a:hlinkClick r:id="rId4"/>
               </a:rPr>
               <a:t>https://learn.microsoft.com/ko-kr/dotnet/csharp/language-reference/keywords/</a:t>
             </a:r>
@@ -14178,7 +14641,7 @@
           <a:p>
             <a:fld id="{0F78D9C4-20C1-4B15-A116-16DC77AD9A1E}" type="datetime1">
               <a:rPr lang="ko-KR" altLang="en-US" smtClean="0"/>
-              <a:t>12-22(Sun)</a:t>
+              <a:t>2025-04-10</a:t>
             </a:fld>
             <a:endParaRPr lang="ko-KR" altLang="en-US"/>
           </a:p>
@@ -14510,7 +14973,7 @@
           <a:p>
             <a:fld id="{0F78D9C4-20C1-4B15-A116-16DC77AD9A1E}" type="datetime1">
               <a:rPr lang="ko-KR" altLang="en-US" smtClean="0"/>
-              <a:t>12-22(Sun)</a:t>
+              <a:t>2025-04-10</a:t>
             </a:fld>
             <a:endParaRPr lang="ko-KR" altLang="en-US"/>
           </a:p>
@@ -14794,7 +15257,7 @@
           <a:p>
             <a:fld id="{0F78D9C4-20C1-4B15-A116-16DC77AD9A1E}" type="datetime1">
               <a:rPr lang="ko-KR" altLang="en-US" smtClean="0"/>
-              <a:t>12-22(Sun)</a:t>
+              <a:t>2025-04-10</a:t>
             </a:fld>
             <a:endParaRPr lang="ko-KR" altLang="en-US"/>
           </a:p>
@@ -14910,7 +15373,7 @@
           <a:p>
             <a:fld id="{0F78D9C4-20C1-4B15-A116-16DC77AD9A1E}" type="datetime1">
               <a:rPr lang="ko-KR" altLang="en-US" smtClean="0"/>
-              <a:t>12-22(Sun)</a:t>
+              <a:t>2025-04-10</a:t>
             </a:fld>
             <a:endParaRPr lang="ko-KR" altLang="en-US"/>
           </a:p>
@@ -16097,7 +16560,7 @@
           <a:p>
             <a:fld id="{0F78D9C4-20C1-4B15-A116-16DC77AD9A1E}" type="datetime1">
               <a:rPr lang="ko-KR" altLang="en-US" smtClean="0"/>
-              <a:t>12-22(Sun)</a:t>
+              <a:t>2025-04-10</a:t>
             </a:fld>
             <a:endParaRPr lang="ko-KR" altLang="en-US"/>
           </a:p>
@@ -16554,7 +17017,7 @@
           <a:p>
             <a:fld id="{0F78D9C4-20C1-4B15-A116-16DC77AD9A1E}" type="datetime1">
               <a:rPr lang="ko-KR" altLang="en-US" smtClean="0"/>
-              <a:t>12-22(Sun)</a:t>
+              <a:t>2025-04-10</a:t>
             </a:fld>
             <a:endParaRPr lang="ko-KR" altLang="en-US"/>
           </a:p>
@@ -16711,7 +17174,7 @@
           <a:p>
             <a:fld id="{0F78D9C4-20C1-4B15-A116-16DC77AD9A1E}" type="datetime1">
               <a:rPr lang="ko-KR" altLang="en-US" smtClean="0"/>
-              <a:t>12-22(Sun)</a:t>
+              <a:t>2025-04-10</a:t>
             </a:fld>
             <a:endParaRPr lang="ko-KR" altLang="en-US"/>
           </a:p>
@@ -17210,7 +17673,7 @@
           <a:p>
             <a:fld id="{0F78D9C4-20C1-4B15-A116-16DC77AD9A1E}" type="datetime1">
               <a:rPr lang="ko-KR" altLang="en-US" smtClean="0"/>
-              <a:t>12-22(Sun)</a:t>
+              <a:t>2025-04-10</a:t>
             </a:fld>
             <a:endParaRPr lang="ko-KR" altLang="en-US"/>
           </a:p>
@@ -17326,7 +17789,7 @@
           <a:p>
             <a:fld id="{0F78D9C4-20C1-4B15-A116-16DC77AD9A1E}" type="datetime1">
               <a:rPr lang="ko-KR" altLang="en-US" smtClean="0"/>
-              <a:t>12-22(Sun)</a:t>
+              <a:t>2025-04-10</a:t>
             </a:fld>
             <a:endParaRPr lang="ko-KR" altLang="en-US"/>
           </a:p>
@@ -17894,7 +18357,7 @@
           <a:p>
             <a:fld id="{0F78D9C4-20C1-4B15-A116-16DC77AD9A1E}" type="datetime1">
               <a:rPr lang="ko-KR" altLang="en-US" smtClean="0"/>
-              <a:t>12-22(Sun)</a:t>
+              <a:t>2025-04-10</a:t>
             </a:fld>
             <a:endParaRPr lang="ko-KR" altLang="en-US"/>
           </a:p>
@@ -18227,7 +18690,7 @@
           <a:p>
             <a:fld id="{0F78D9C4-20C1-4B15-A116-16DC77AD9A1E}" type="datetime1">
               <a:rPr lang="ko-KR" altLang="en-US" smtClean="0"/>
-              <a:t>12-22(Sun)</a:t>
+              <a:t>2025-04-10</a:t>
             </a:fld>
             <a:endParaRPr lang="ko-KR" altLang="en-US"/>
           </a:p>
@@ -18674,7 +19137,7 @@
           <a:p>
             <a:fld id="{0F78D9C4-20C1-4B15-A116-16DC77AD9A1E}" type="datetime1">
               <a:rPr lang="ko-KR" altLang="en-US" smtClean="0"/>
-              <a:t>12-22(Sun)</a:t>
+              <a:t>2025-04-10</a:t>
             </a:fld>
             <a:endParaRPr lang="ko-KR" altLang="en-US"/>
           </a:p>
@@ -19405,7 +19868,7 @@
           <a:p>
             <a:fld id="{0F78D9C4-20C1-4B15-A116-16DC77AD9A1E}" type="datetime1">
               <a:rPr lang="ko-KR" altLang="en-US" smtClean="0"/>
-              <a:t>12-22(Sun)</a:t>
+              <a:t>2025-04-10</a:t>
             </a:fld>
             <a:endParaRPr lang="ko-KR" altLang="en-US"/>
           </a:p>
@@ -19662,7 +20125,7 @@
           <a:p>
             <a:fld id="{0F78D9C4-20C1-4B15-A116-16DC77AD9A1E}" type="datetime1">
               <a:rPr lang="ko-KR" altLang="en-US" smtClean="0"/>
-              <a:t>12-22(Sun)</a:t>
+              <a:t>2025-04-10</a:t>
             </a:fld>
             <a:endParaRPr lang="ko-KR" altLang="en-US"/>
           </a:p>
@@ -20369,7 +20832,7 @@
           <a:p>
             <a:fld id="{0F78D9C4-20C1-4B15-A116-16DC77AD9A1E}" type="datetime1">
               <a:rPr lang="ko-KR" altLang="en-US" smtClean="0"/>
-              <a:t>12-22(Sun)</a:t>
+              <a:t>2025-04-10</a:t>
             </a:fld>
             <a:endParaRPr lang="ko-KR" altLang="en-US"/>
           </a:p>
@@ -20489,7 +20952,7 @@
           <a:p>
             <a:fld id="{0F78D9C4-20C1-4B15-A116-16DC77AD9A1E}" type="datetime1">
               <a:rPr lang="ko-KR" altLang="en-US" smtClean="0"/>
-              <a:t>12-22(Sun)</a:t>
+              <a:t>2025-04-10</a:t>
             </a:fld>
             <a:endParaRPr lang="ko-KR" altLang="en-US"/>
           </a:p>
@@ -20804,7 +21267,7 @@
           <a:p>
             <a:fld id="{0F78D9C4-20C1-4B15-A116-16DC77AD9A1E}" type="datetime1">
               <a:rPr lang="ko-KR" altLang="en-US" smtClean="0"/>
-              <a:t>12-22(Sun)</a:t>
+              <a:t>2025-04-10</a:t>
             </a:fld>
             <a:endParaRPr lang="ko-KR" altLang="en-US"/>
           </a:p>
@@ -21529,7 +21992,7 @@
           <a:p>
             <a:fld id="{0F78D9C4-20C1-4B15-A116-16DC77AD9A1E}" type="datetime1">
               <a:rPr lang="ko-KR" altLang="en-US" smtClean="0"/>
-              <a:t>12-22(Sun)</a:t>
+              <a:t>2025-04-10</a:t>
             </a:fld>
             <a:endParaRPr lang="ko-KR" altLang="en-US"/>
           </a:p>
@@ -21915,7 +22378,7 @@
           <a:p>
             <a:fld id="{0F78D9C4-20C1-4B15-A116-16DC77AD9A1E}" type="datetime1">
               <a:rPr lang="ko-KR" altLang="en-US" smtClean="0"/>
-              <a:t>12-22(Sun)</a:t>
+              <a:t>2025-04-10</a:t>
             </a:fld>
             <a:endParaRPr lang="ko-KR" altLang="en-US"/>
           </a:p>
@@ -23008,7 +23471,7 @@
           <a:p>
             <a:fld id="{0F78D9C4-20C1-4B15-A116-16DC77AD9A1E}" type="datetime1">
               <a:rPr lang="ko-KR" altLang="en-US" smtClean="0"/>
-              <a:t>12-22(Sun)</a:t>
+              <a:t>2025-04-10</a:t>
             </a:fld>
             <a:endParaRPr lang="ko-KR" altLang="en-US"/>
           </a:p>
@@ -23279,7 +23742,7 @@
           <a:p>
             <a:fld id="{0F78D9C4-20C1-4B15-A116-16DC77AD9A1E}" type="datetime1">
               <a:rPr lang="ko-KR" altLang="en-US" smtClean="0"/>
-              <a:t>12-22(Sun)</a:t>
+              <a:t>2025-04-10</a:t>
             </a:fld>
             <a:endParaRPr lang="ko-KR" altLang="en-US"/>
           </a:p>
@@ -23651,7 +24114,7 @@
           <a:p>
             <a:fld id="{0F78D9C4-20C1-4B15-A116-16DC77AD9A1E}" type="datetime1">
               <a:rPr lang="ko-KR" altLang="en-US" smtClean="0"/>
-              <a:t>12-22(Sun)</a:t>
+              <a:t>2025-04-10</a:t>
             </a:fld>
             <a:endParaRPr lang="ko-KR" altLang="en-US"/>
           </a:p>
@@ -24045,7 +24508,7 @@
           <a:p>
             <a:fld id="{0F78D9C4-20C1-4B15-A116-16DC77AD9A1E}" type="datetime1">
               <a:rPr lang="ko-KR" altLang="en-US" smtClean="0"/>
-              <a:t>12-22(Sun)</a:t>
+              <a:t>2025-04-10</a:t>
             </a:fld>
             <a:endParaRPr lang="ko-KR" altLang="en-US"/>
           </a:p>
@@ -24455,7 +24918,7 @@
           <a:p>
             <a:fld id="{0F78D9C4-20C1-4B15-A116-16DC77AD9A1E}" type="datetime1">
               <a:rPr lang="ko-KR" altLang="en-US" smtClean="0"/>
-              <a:t>12-22(Sun)</a:t>
+              <a:t>2025-04-10</a:t>
             </a:fld>
             <a:endParaRPr lang="ko-KR" altLang="en-US"/>
           </a:p>
@@ -24834,7 +25297,7 @@
           <a:p>
             <a:fld id="{0F78D9C4-20C1-4B15-A116-16DC77AD9A1E}" type="datetime1">
               <a:rPr lang="ko-KR" altLang="en-US" smtClean="0"/>
-              <a:t>12-22(Sun)</a:t>
+              <a:t>2025-04-10</a:t>
             </a:fld>
             <a:endParaRPr lang="ko-KR" altLang="en-US"/>
           </a:p>
@@ -24984,7 +25447,7 @@
           <a:p>
             <a:fld id="{0F78D9C4-20C1-4B15-A116-16DC77AD9A1E}" type="datetime1">
               <a:rPr lang="ko-KR" altLang="en-US" smtClean="0"/>
-              <a:t>12-22(Sun)</a:t>
+              <a:t>2025-04-10</a:t>
             </a:fld>
             <a:endParaRPr lang="ko-KR" altLang="en-US"/>
           </a:p>
@@ -25247,7 +25710,7 @@
           <a:p>
             <a:fld id="{0F78D9C4-20C1-4B15-A116-16DC77AD9A1E}" type="datetime1">
               <a:rPr lang="ko-KR" altLang="en-US" smtClean="0"/>
-              <a:t>12-22(Sun)</a:t>
+              <a:t>2025-04-10</a:t>
             </a:fld>
             <a:endParaRPr lang="ko-KR" altLang="en-US"/>
           </a:p>
@@ -25446,7 +25909,7 @@
           <a:p>
             <a:fld id="{0F78D9C4-20C1-4B15-A116-16DC77AD9A1E}" type="datetime1">
               <a:rPr lang="ko-KR" altLang="en-US" smtClean="0"/>
-              <a:t>12-22(Sun)</a:t>
+              <a:t>2025-04-10</a:t>
             </a:fld>
             <a:endParaRPr lang="ko-KR" altLang="en-US"/>
           </a:p>
@@ -25729,7 +26192,7 @@
           <a:p>
             <a:fld id="{0F78D9C4-20C1-4B15-A116-16DC77AD9A1E}" type="datetime1">
               <a:rPr lang="ko-KR" altLang="en-US" smtClean="0"/>
-              <a:t>12-22(Sun)</a:t>
+              <a:t>2025-04-10</a:t>
             </a:fld>
             <a:endParaRPr lang="ko-KR" altLang="en-US"/>
           </a:p>
@@ -25977,7 +26440,7 @@
           <a:p>
             <a:fld id="{0F78D9C4-20C1-4B15-A116-16DC77AD9A1E}" type="datetime1">
               <a:rPr lang="ko-KR" altLang="en-US" smtClean="0"/>
-              <a:t>12-22(Sun)</a:t>
+              <a:t>2025-04-10</a:t>
             </a:fld>
             <a:endParaRPr lang="ko-KR" altLang="en-US"/>
           </a:p>
@@ -26442,7 +26905,7 @@
           <a:p>
             <a:fld id="{0F78D9C4-20C1-4B15-A116-16DC77AD9A1E}" type="datetime1">
               <a:rPr lang="ko-KR" altLang="en-US" smtClean="0"/>
-              <a:t>12-22(Sun)</a:t>
+              <a:t>2025-04-10</a:t>
             </a:fld>
             <a:endParaRPr lang="ko-KR" altLang="en-US"/>
           </a:p>
@@ -26935,7 +27398,7 @@
           <a:p>
             <a:fld id="{0F78D9C4-20C1-4B15-A116-16DC77AD9A1E}" type="datetime1">
               <a:rPr lang="ko-KR" altLang="en-US" smtClean="0"/>
-              <a:t>12-22(Sun)</a:t>
+              <a:t>2025-04-10</a:t>
             </a:fld>
             <a:endParaRPr lang="ko-KR" altLang="en-US"/>
           </a:p>
@@ -27175,7 +27638,7 @@
           <a:p>
             <a:fld id="{0F78D9C4-20C1-4B15-A116-16DC77AD9A1E}" type="datetime1">
               <a:rPr lang="ko-KR" altLang="en-US" smtClean="0"/>
-              <a:t>12-22(Sun)</a:t>
+              <a:t>2025-04-10</a:t>
             </a:fld>
             <a:endParaRPr lang="ko-KR" altLang="en-US"/>
           </a:p>
@@ -27297,7 +27760,7 @@
           <a:p>
             <a:fld id="{0F78D9C4-20C1-4B15-A116-16DC77AD9A1E}" type="datetime1">
               <a:rPr lang="ko-KR" altLang="en-US" smtClean="0"/>
-              <a:t>12-22(Sun)</a:t>
+              <a:t>2025-04-10</a:t>
             </a:fld>
             <a:endParaRPr lang="ko-KR" altLang="en-US"/>
           </a:p>
@@ -27544,7 +28007,7 @@
           <a:p>
             <a:fld id="{0F78D9C4-20C1-4B15-A116-16DC77AD9A1E}" type="datetime1">
               <a:rPr lang="ko-KR" altLang="en-US" smtClean="0"/>
-              <a:t>12-22(Sun)</a:t>
+              <a:t>2025-04-10</a:t>
             </a:fld>
             <a:endParaRPr lang="ko-KR" altLang="en-US"/>
           </a:p>
@@ -27724,7 +28187,7 @@
           <a:p>
             <a:fld id="{0F78D9C4-20C1-4B15-A116-16DC77AD9A1E}" type="datetime1">
               <a:rPr lang="ko-KR" altLang="en-US" smtClean="0"/>
-              <a:t>12-22(Sun)</a:t>
+              <a:t>2025-04-10</a:t>
             </a:fld>
             <a:endParaRPr lang="ko-KR" altLang="en-US"/>
           </a:p>
@@ -28099,7 +28562,7 @@
           <a:p>
             <a:fld id="{0F78D9C4-20C1-4B15-A116-16DC77AD9A1E}" type="datetime1">
               <a:rPr lang="ko-KR" altLang="en-US" smtClean="0"/>
-              <a:t>12-22(Sun)</a:t>
+              <a:t>2025-04-10</a:t>
             </a:fld>
             <a:endParaRPr lang="ko-KR" altLang="en-US"/>
           </a:p>
@@ -28338,7 +28801,7 @@
           <a:p>
             <a:fld id="{0F78D9C4-20C1-4B15-A116-16DC77AD9A1E}" type="datetime1">
               <a:rPr lang="ko-KR" altLang="en-US" smtClean="0"/>
-              <a:t>12-22(Sun)</a:t>
+              <a:t>2025-04-10</a:t>
             </a:fld>
             <a:endParaRPr lang="ko-KR" altLang="en-US"/>
           </a:p>
@@ -28987,7 +29450,7 @@
           <a:p>
             <a:fld id="{0F78D9C4-20C1-4B15-A116-16DC77AD9A1E}" type="datetime1">
               <a:rPr lang="ko-KR" altLang="en-US" smtClean="0"/>
-              <a:t>12-22(Sun)</a:t>
+              <a:t>2025-04-10</a:t>
             </a:fld>
             <a:endParaRPr lang="ko-KR" altLang="en-US"/>
           </a:p>
@@ -29136,7 +29599,7 @@
           <a:p>
             <a:fld id="{0F78D9C4-20C1-4B15-A116-16DC77AD9A1E}" type="datetime1">
               <a:rPr lang="ko-KR" altLang="en-US" smtClean="0"/>
-              <a:t>12-22(Sun)</a:t>
+              <a:t>2025-04-10</a:t>
             </a:fld>
             <a:endParaRPr lang="ko-KR" altLang="en-US"/>
           </a:p>
@@ -29686,14 +30149,14 @@
           <a:lstStyle/>
           <a:p>
             <a:r>
-              <a:rPr lang="en-US" altLang="ko-KR"/>
+              <a:rPr lang="en-US" altLang="ko-KR" dirty="0"/>
               <a:t>Form1 </a:t>
             </a:r>
             <a:r>
-              <a:rPr lang="ko-KR" altLang="en-US"/>
+              <a:rPr lang="ko-KR" altLang="en-US" dirty="0"/>
               <a:t>클래스와 같은 이름의 메소드 </a:t>
             </a:r>
-            <a:endParaRPr lang="en-US" altLang="ko-KR"/>
+            <a:endParaRPr lang="en-US" altLang="ko-KR" dirty="0"/>
           </a:p>
           <a:p>
             <a:pPr marL="285750" indent="-285750">
@@ -29701,11 +30164,11 @@
               <a:buChar char="è"/>
             </a:pPr>
             <a:r>
-              <a:rPr lang="en-US" altLang="ko-KR"/>
+              <a:rPr lang="en-US" altLang="ko-KR" dirty="0"/>
               <a:t>Form1 </a:t>
             </a:r>
             <a:r>
-              <a:rPr lang="ko-KR" altLang="en-US"/>
+              <a:rPr lang="ko-KR" altLang="en-US" dirty="0"/>
               <a:t>클래스의 생성자</a:t>
             </a:r>
           </a:p>
@@ -29779,8 +30242,12 @@
           <a:lstStyle/>
           <a:p>
             <a:r>
-              <a:rPr lang="ko-KR" altLang="en-US"/>
-              <a:t>윈폼 초기화를 위한 함수</a:t>
+              <a:rPr lang="ko-KR" altLang="en-US" dirty="0" err="1"/>
+              <a:t>윈폼</a:t>
+            </a:r>
+            <a:r>
+              <a:rPr lang="ko-KR" altLang="en-US" dirty="0"/>
+              <a:t> 초기화를 위한 함수</a:t>
             </a:r>
           </a:p>
         </p:txBody>
@@ -29802,7 +30269,7 @@
         </p:nvCxnSpPr>
         <p:spPr>
           <a:xfrm>
-            <a:off x="5515062" y="5026144"/>
+            <a:off x="5509700" y="5063473"/>
             <a:ext cx="1684151" cy="481011"/>
           </a:xfrm>
           <a:prstGeom prst="line">
@@ -29838,7 +30305,7 @@
         </p:nvSpPr>
         <p:spPr>
           <a:xfrm>
-            <a:off x="7199213" y="5322489"/>
+            <a:off x="7193851" y="5359818"/>
             <a:ext cx="4267515" cy="369332"/>
           </a:xfrm>
           <a:prstGeom prst="rect">
@@ -30185,7 +30652,7 @@
           <a:p>
             <a:fld id="{0F78D9C4-20C1-4B15-A116-16DC77AD9A1E}" type="datetime1">
               <a:rPr lang="ko-KR" altLang="en-US" smtClean="0"/>
-              <a:t>12-22(Sun)</a:t>
+              <a:t>2025-04-10</a:t>
             </a:fld>
             <a:endParaRPr lang="ko-KR" altLang="en-US"/>
           </a:p>
@@ -30511,7 +30978,7 @@
           <a:p>
             <a:fld id="{0F78D9C4-20C1-4B15-A116-16DC77AD9A1E}" type="datetime1">
               <a:rPr lang="ko-KR" altLang="en-US" smtClean="0"/>
-              <a:t>12-22(Sun)</a:t>
+              <a:t>2025-04-10</a:t>
             </a:fld>
             <a:endParaRPr lang="ko-KR" altLang="en-US"/>
           </a:p>
@@ -30691,7 +31158,7 @@
           <a:p>
             <a:fld id="{0F78D9C4-20C1-4B15-A116-16DC77AD9A1E}" type="datetime1">
               <a:rPr lang="ko-KR" altLang="en-US" smtClean="0"/>
-              <a:t>12-22(Sun)</a:t>
+              <a:t>2025-04-10</a:t>
             </a:fld>
             <a:endParaRPr lang="ko-KR" altLang="en-US"/>
           </a:p>
@@ -31025,7 +31492,7 @@
           <a:p>
             <a:fld id="{0F78D9C4-20C1-4B15-A116-16DC77AD9A1E}" type="datetime1">
               <a:rPr lang="ko-KR" altLang="en-US" smtClean="0"/>
-              <a:t>12-22(Sun)</a:t>
+              <a:t>2025-04-10</a:t>
             </a:fld>
             <a:endParaRPr lang="ko-KR" altLang="en-US"/>
           </a:p>
@@ -31205,7 +31672,7 @@
           <a:p>
             <a:fld id="{0F78D9C4-20C1-4B15-A116-16DC77AD9A1E}" type="datetime1">
               <a:rPr lang="ko-KR" altLang="en-US" smtClean="0"/>
-              <a:t>12-22(Sun)</a:t>
+              <a:t>2025-04-10</a:t>
             </a:fld>
             <a:endParaRPr lang="ko-KR" altLang="en-US"/>
           </a:p>
@@ -31767,7 +32234,7 @@
           <a:p>
             <a:fld id="{0F78D9C4-20C1-4B15-A116-16DC77AD9A1E}" type="datetime1">
               <a:rPr lang="ko-KR" altLang="en-US" smtClean="0"/>
-              <a:t>12-22(Sun)</a:t>
+              <a:t>2025-04-10</a:t>
             </a:fld>
             <a:endParaRPr lang="ko-KR" altLang="en-US"/>
           </a:p>
@@ -31943,7 +32410,7 @@
           <a:p>
             <a:fld id="{0F78D9C4-20C1-4B15-A116-16DC77AD9A1E}" type="datetime1">
               <a:rPr lang="ko-KR" altLang="en-US" smtClean="0"/>
-              <a:t>12-22(Sun)</a:t>
+              <a:t>2025-04-10</a:t>
             </a:fld>
             <a:endParaRPr lang="ko-KR" altLang="en-US"/>
           </a:p>
@@ -32190,7 +32657,7 @@
           <a:p>
             <a:fld id="{0F78D9C4-20C1-4B15-A116-16DC77AD9A1E}" type="datetime1">
               <a:rPr lang="ko-KR" altLang="en-US" smtClean="0"/>
-              <a:t>12-22(Sun)</a:t>
+              <a:t>2025-04-10</a:t>
             </a:fld>
             <a:endParaRPr lang="ko-KR" altLang="en-US"/>
           </a:p>
@@ -32396,7 +32863,7 @@
           <a:p>
             <a:fld id="{0F78D9C4-20C1-4B15-A116-16DC77AD9A1E}" type="datetime1">
               <a:rPr lang="ko-KR" altLang="en-US" smtClean="0"/>
-              <a:t>12-22(Sun)</a:t>
+              <a:t>2025-04-10</a:t>
             </a:fld>
             <a:endParaRPr lang="ko-KR" altLang="en-US"/>
           </a:p>
@@ -32802,7 +33269,7 @@
           <a:p>
             <a:fld id="{0F78D9C4-20C1-4B15-A116-16DC77AD9A1E}" type="datetime1">
               <a:rPr lang="ko-KR" altLang="en-US" smtClean="0"/>
-              <a:t>12-22(Sun)</a:t>
+              <a:t>2025-04-10</a:t>
             </a:fld>
             <a:endParaRPr lang="ko-KR" altLang="en-US"/>
           </a:p>
@@ -32955,7 +33422,7 @@
           <a:p>
             <a:fld id="{0F78D9C4-20C1-4B15-A116-16DC77AD9A1E}" type="datetime1">
               <a:rPr lang="ko-KR" altLang="en-US" smtClean="0"/>
-              <a:t>12-22(Sun)</a:t>
+              <a:t>2025-04-10</a:t>
             </a:fld>
             <a:endParaRPr lang="ko-KR" altLang="en-US"/>
           </a:p>
@@ -33457,7 +33924,7 @@
           <a:p>
             <a:fld id="{0F78D9C4-20C1-4B15-A116-16DC77AD9A1E}" type="datetime1">
               <a:rPr lang="ko-KR" altLang="en-US" smtClean="0"/>
-              <a:t>12-22(Sun)</a:t>
+              <a:t>2025-04-10</a:t>
             </a:fld>
             <a:endParaRPr lang="ko-KR" altLang="en-US"/>
           </a:p>
@@ -33705,7 +34172,7 @@
           <a:p>
             <a:fld id="{0F78D9C4-20C1-4B15-A116-16DC77AD9A1E}" type="datetime1">
               <a:rPr lang="ko-KR" altLang="en-US" smtClean="0"/>
-              <a:t>12-22(Sun)</a:t>
+              <a:t>2025-04-10</a:t>
             </a:fld>
             <a:endParaRPr lang="ko-KR" altLang="en-US"/>
           </a:p>
@@ -34268,7 +34735,7 @@
           <a:p>
             <a:fld id="{0F78D9C4-20C1-4B15-A116-16DC77AD9A1E}" type="datetime1">
               <a:rPr lang="ko-KR" altLang="en-US" smtClean="0"/>
-              <a:t>12-22(Sun)</a:t>
+              <a:t>2025-04-10</a:t>
             </a:fld>
             <a:endParaRPr lang="ko-KR" altLang="en-US"/>
           </a:p>
@@ -34827,7 +35294,7 @@
           <a:p>
             <a:fld id="{0F78D9C4-20C1-4B15-A116-16DC77AD9A1E}" type="datetime1">
               <a:rPr lang="ko-KR" altLang="en-US" smtClean="0"/>
-              <a:t>12-22(Sun)</a:t>
+              <a:t>2025-04-10</a:t>
             </a:fld>
             <a:endParaRPr lang="ko-KR" altLang="en-US"/>
           </a:p>
@@ -35015,7 +35482,7 @@
           <a:p>
             <a:fld id="{0F78D9C4-20C1-4B15-A116-16DC77AD9A1E}" type="datetime1">
               <a:rPr lang="ko-KR" altLang="en-US" smtClean="0"/>
-              <a:t>12-22(Sun)</a:t>
+              <a:t>2025-04-10</a:t>
             </a:fld>
             <a:endParaRPr lang="ko-KR" altLang="en-US"/>
           </a:p>
@@ -35421,7 +35888,7 @@
           <a:p>
             <a:fld id="{0F78D9C4-20C1-4B15-A116-16DC77AD9A1E}" type="datetime1">
               <a:rPr lang="ko-KR" altLang="en-US" smtClean="0"/>
-              <a:t>12-22(Sun)</a:t>
+              <a:t>2025-04-10</a:t>
             </a:fld>
             <a:endParaRPr lang="ko-KR" altLang="en-US"/>
           </a:p>
